--- a/Documentos/PETAPP.pptx
+++ b/Documentos/PETAPP.pptx
@@ -6,10 +6,15 @@
   </p:sldMasterIdLst>
   <p:sldIdLst>
     <p:sldId id="256" r:id="rId2"/>
-    <p:sldId id="257" r:id="rId3"/>
-    <p:sldId id="258" r:id="rId4"/>
-    <p:sldId id="259" r:id="rId5"/>
-    <p:sldId id="260" r:id="rId6"/>
+    <p:sldId id="263" r:id="rId3"/>
+    <p:sldId id="262" r:id="rId4"/>
+    <p:sldId id="261" r:id="rId5"/>
+    <p:sldId id="257" r:id="rId6"/>
+    <p:sldId id="264" r:id="rId7"/>
+    <p:sldId id="265" r:id="rId8"/>
+    <p:sldId id="258" r:id="rId9"/>
+    <p:sldId id="259" r:id="rId10"/>
+    <p:sldId id="260" r:id="rId11"/>
   </p:sldIdLst>
   <p:sldSz cx="9144000" cy="6858000" type="screen4x3"/>
   <p:notesSz cx="6858000" cy="9144000"/>
@@ -364,7 +369,7 @@
           <a:p>
             <a:fld id="{F0C2C5A8-BDA2-4BD6-A998-6AA85E3E7C9E}" type="datetimeFigureOut">
               <a:rPr lang="es-PE" smtClean="0"/>
-              <a:t>03/05/2016</a:t>
+              <a:t>07/05/2016</a:t>
             </a:fld>
             <a:endParaRPr lang="es-PE"/>
           </a:p>
@@ -577,7 +582,7 @@
           <a:p>
             <a:fld id="{F0C2C5A8-BDA2-4BD6-A998-6AA85E3E7C9E}" type="datetimeFigureOut">
               <a:rPr lang="es-PE" smtClean="0"/>
-              <a:t>03/05/2016</a:t>
+              <a:t>07/05/2016</a:t>
             </a:fld>
             <a:endParaRPr lang="es-PE"/>
           </a:p>
@@ -844,7 +849,7 @@
           <a:p>
             <a:fld id="{F0C2C5A8-BDA2-4BD6-A998-6AA85E3E7C9E}" type="datetimeFigureOut">
               <a:rPr lang="es-PE" smtClean="0"/>
-              <a:t>03/05/2016</a:t>
+              <a:t>07/05/2016</a:t>
             </a:fld>
             <a:endParaRPr lang="es-PE"/>
           </a:p>
@@ -994,7 +999,7 @@
           <a:p>
             <a:fld id="{F0C2C5A8-BDA2-4BD6-A998-6AA85E3E7C9E}" type="datetimeFigureOut">
               <a:rPr lang="es-PE" smtClean="0"/>
-              <a:t>03/05/2016</a:t>
+              <a:t>07/05/2016</a:t>
             </a:fld>
             <a:endParaRPr lang="es-PE"/>
           </a:p>
@@ -1324,7 +1329,7 @@
           <a:p>
             <a:fld id="{F0C2C5A8-BDA2-4BD6-A998-6AA85E3E7C9E}" type="datetimeFigureOut">
               <a:rPr lang="es-PE" smtClean="0"/>
-              <a:t>03/05/2016</a:t>
+              <a:t>07/05/2016</a:t>
             </a:fld>
             <a:endParaRPr lang="es-PE"/>
           </a:p>
@@ -1632,7 +1637,7 @@
           <a:p>
             <a:fld id="{F0C2C5A8-BDA2-4BD6-A998-6AA85E3E7C9E}" type="datetimeFigureOut">
               <a:rPr lang="es-PE" smtClean="0"/>
-              <a:t>03/05/2016</a:t>
+              <a:t>07/05/2016</a:t>
             </a:fld>
             <a:endParaRPr lang="es-PE"/>
           </a:p>
@@ -2053,7 +2058,7 @@
           <a:p>
             <a:fld id="{F0C2C5A8-BDA2-4BD6-A998-6AA85E3E7C9E}" type="datetimeFigureOut">
               <a:rPr lang="es-PE" smtClean="0"/>
-              <a:t>03/05/2016</a:t>
+              <a:t>07/05/2016</a:t>
             </a:fld>
             <a:endParaRPr lang="es-PE"/>
           </a:p>
@@ -2166,7 +2171,7 @@
           <a:p>
             <a:fld id="{F0C2C5A8-BDA2-4BD6-A998-6AA85E3E7C9E}" type="datetimeFigureOut">
               <a:rPr lang="es-PE" smtClean="0"/>
-              <a:t>03/05/2016</a:t>
+              <a:t>07/05/2016</a:t>
             </a:fld>
             <a:endParaRPr lang="es-PE"/>
           </a:p>
@@ -2325,7 +2330,7 @@
           <a:p>
             <a:fld id="{F0C2C5A8-BDA2-4BD6-A998-6AA85E3E7C9E}" type="datetimeFigureOut">
               <a:rPr lang="es-PE" smtClean="0"/>
-              <a:t>03/05/2016</a:t>
+              <a:t>07/05/2016</a:t>
             </a:fld>
             <a:endParaRPr lang="es-PE"/>
           </a:p>
@@ -2709,7 +2714,7 @@
           <a:p>
             <a:fld id="{F0C2C5A8-BDA2-4BD6-A998-6AA85E3E7C9E}" type="datetimeFigureOut">
               <a:rPr lang="es-PE" smtClean="0"/>
-              <a:t>03/05/2016</a:t>
+              <a:t>07/05/2016</a:t>
             </a:fld>
             <a:endParaRPr lang="es-PE"/>
           </a:p>
@@ -3071,7 +3076,7 @@
           <a:p>
             <a:fld id="{F0C2C5A8-BDA2-4BD6-A998-6AA85E3E7C9E}" type="datetimeFigureOut">
               <a:rPr lang="es-PE" smtClean="0"/>
-              <a:t>03/05/2016</a:t>
+              <a:t>07/05/2016</a:t>
             </a:fld>
             <a:endParaRPr lang="es-PE"/>
           </a:p>
@@ -3405,7 +3410,7 @@
           <a:p>
             <a:fld id="{F0C2C5A8-BDA2-4BD6-A998-6AA85E3E7C9E}" type="datetimeFigureOut">
               <a:rPr lang="es-PE" smtClean="0"/>
-              <a:t>03/05/2016</a:t>
+              <a:t>07/05/2016</a:t>
             </a:fld>
             <a:endParaRPr lang="es-PE"/>
           </a:p>
@@ -4000,6 +4005,102 @@
 </p:sld>
 </file>
 
+<file path=ppt/slides/slide10.xml><?xml version="1.0" encoding="utf-8"?>
+<p:sld xmlns:a="http://schemas.openxmlformats.org/drawingml/2006/main" xmlns:r="http://schemas.openxmlformats.org/officeDocument/2006/relationships" xmlns:p="http://schemas.openxmlformats.org/presentationml/2006/main">
+  <p:cSld>
+    <p:spTree>
+      <p:nvGrpSpPr>
+        <p:cNvPr id="1" name=""/>
+        <p:cNvGrpSpPr/>
+        <p:nvPr/>
+      </p:nvGrpSpPr>
+      <p:grpSpPr>
+        <a:xfrm>
+          <a:off x="0" y="0"/>
+          <a:ext cx="0" cy="0"/>
+          <a:chOff x="0" y="0"/>
+          <a:chExt cx="0" cy="0"/>
+        </a:xfrm>
+      </p:grpSpPr>
+      <p:sp>
+        <p:nvSpPr>
+          <p:cNvPr id="3" name="2 Título"/>
+          <p:cNvSpPr>
+            <a:spLocks noGrp="1"/>
+          </p:cNvSpPr>
+          <p:nvPr>
+            <p:ph type="title"/>
+          </p:nvPr>
+        </p:nvSpPr>
+        <p:spPr/>
+        <p:txBody>
+          <a:bodyPr/>
+          <a:lstStyle/>
+          <a:p>
+            <a:r>
+              <a:rPr lang="es-PE" dirty="0" smtClean="0"/>
+              <a:t>Matriz </a:t>
+            </a:r>
+            <a:r>
+              <a:rPr lang="es-PE" dirty="0" err="1" smtClean="0"/>
+              <a:t>raci</a:t>
+            </a:r>
+            <a:endParaRPr lang="es-PE" dirty="0"/>
+          </a:p>
+        </p:txBody>
+      </p:sp>
+      <p:pic>
+        <p:nvPicPr>
+          <p:cNvPr id="4" name="0 Imagen"/>
+          <p:cNvPicPr>
+            <a:picLocks noGrp="1"/>
+          </p:cNvPicPr>
+          <p:nvPr>
+            <p:ph idx="1"/>
+          </p:nvPr>
+        </p:nvPicPr>
+        <p:blipFill>
+          <a:blip r:embed="rId2">
+            <a:extLst>
+              <a:ext uri="{28A0092B-C50C-407E-A947-70E740481C1C}">
+                <a14:useLocalDpi xmlns:a14="http://schemas.microsoft.com/office/drawing/2010/main" val="0"/>
+              </a:ext>
+            </a:extLst>
+          </a:blip>
+          <a:stretch>
+            <a:fillRect/>
+          </a:stretch>
+        </p:blipFill>
+        <p:spPr>
+          <a:xfrm>
+            <a:off x="755576" y="2060848"/>
+            <a:ext cx="7638114" cy="3884689"/>
+          </a:xfrm>
+          <a:prstGeom prst="rect">
+            <a:avLst/>
+          </a:prstGeom>
+        </p:spPr>
+      </p:pic>
+    </p:spTree>
+    <p:extLst>
+      <p:ext uri="{BB962C8B-B14F-4D97-AF65-F5344CB8AC3E}">
+        <p14:creationId xmlns:p14="http://schemas.microsoft.com/office/powerpoint/2010/main" val="2668999323"/>
+      </p:ext>
+    </p:extLst>
+  </p:cSld>
+  <p:clrMapOvr>
+    <a:masterClrMapping/>
+  </p:clrMapOvr>
+  <p:timing>
+    <p:tnLst>
+      <p:par>
+        <p:cTn id="1" dur="indefinite" restart="never" nodeType="tmRoot"/>
+      </p:par>
+    </p:tnLst>
+  </p:timing>
+</p:sld>
+</file>
+
 <file path=ppt/slides/slide2.xml><?xml version="1.0" encoding="utf-8"?>
 <p:sld xmlns:a="http://schemas.openxmlformats.org/drawingml/2006/main" xmlns:r="http://schemas.openxmlformats.org/officeDocument/2006/relationships" xmlns:p="http://schemas.openxmlformats.org/presentationml/2006/main">
   <p:cSld>
@@ -4029,16 +4130,315 @@
         </p:nvSpPr>
         <p:spPr/>
         <p:txBody>
+          <a:bodyPr/>
+          <a:lstStyle/>
+          <a:p>
+            <a:r>
+              <a:rPr lang="es-PE" dirty="0" smtClean="0"/>
+              <a:t>MUCHAS PAGINAS DE CHAT, CITAS, ETC</a:t>
+            </a:r>
+          </a:p>
+          <a:p>
+            <a:r>
+              <a:rPr lang="es-PE" dirty="0" smtClean="0"/>
+              <a:t>MUCHAS REDES SOCIALES: FACEBOOK, HI5, ETC</a:t>
+            </a:r>
+          </a:p>
+          <a:p>
+            <a:r>
+              <a:rPr lang="es-PE" dirty="0" smtClean="0"/>
+              <a:t>MUCHAS WEBS </a:t>
+            </a:r>
+            <a:r>
+              <a:rPr lang="es-PE" dirty="0"/>
+              <a:t>PARA </a:t>
+            </a:r>
+            <a:r>
+              <a:rPr lang="es-PE" dirty="0" smtClean="0"/>
+              <a:t>STREAMING</a:t>
+            </a:r>
+          </a:p>
+          <a:p>
+            <a:r>
+              <a:rPr lang="es-PE" dirty="0" smtClean="0"/>
+              <a:t>MUCHAS WEBS DE VIDEOJUEGOS</a:t>
+            </a:r>
+          </a:p>
+          <a:p>
+            <a:r>
+              <a:rPr lang="es-PE" dirty="0" smtClean="0"/>
+              <a:t>MUCHAS WEBS DE COMPRA Y VENDA: MERCADOLIBRE, OLX, ETC.</a:t>
+            </a:r>
+          </a:p>
+          <a:p>
+            <a:endParaRPr lang="es-PE" dirty="0"/>
+          </a:p>
+          <a:p>
+            <a:r>
+              <a:rPr lang="es-PE" sz="2800" dirty="0" smtClean="0"/>
+              <a:t>POCAS Y/O NINGUNA WEB QUE ME PERMITA UN ENTORNO DE BUSQUEDA PARA CRUZAR A MI PERRO(A).</a:t>
+            </a:r>
+          </a:p>
+          <a:p>
+            <a:endParaRPr lang="es-PE" dirty="0"/>
+          </a:p>
+        </p:txBody>
+      </p:sp>
+      <p:sp>
+        <p:nvSpPr>
+          <p:cNvPr id="3" name="2 Título"/>
+          <p:cNvSpPr>
+            <a:spLocks noGrp="1"/>
+          </p:cNvSpPr>
+          <p:nvPr>
+            <p:ph type="title"/>
+          </p:nvPr>
+        </p:nvSpPr>
+        <p:spPr/>
+        <p:txBody>
+          <a:bodyPr/>
+          <a:lstStyle/>
+          <a:p>
+            <a:r>
+              <a:rPr lang="es-PE" dirty="0" smtClean="0"/>
+              <a:t>CONTEXTO</a:t>
+            </a:r>
+            <a:endParaRPr lang="es-PE" dirty="0"/>
+          </a:p>
+        </p:txBody>
+      </p:sp>
+    </p:spTree>
+    <p:extLst>
+      <p:ext uri="{BB962C8B-B14F-4D97-AF65-F5344CB8AC3E}">
+        <p14:creationId xmlns:p14="http://schemas.microsoft.com/office/powerpoint/2010/main" val="3018824120"/>
+      </p:ext>
+    </p:extLst>
+  </p:cSld>
+  <p:clrMapOvr>
+    <a:masterClrMapping/>
+  </p:clrMapOvr>
+</p:sld>
+</file>
+
+<file path=ppt/slides/slide3.xml><?xml version="1.0" encoding="utf-8"?>
+<p:sld xmlns:a="http://schemas.openxmlformats.org/drawingml/2006/main" xmlns:r="http://schemas.openxmlformats.org/officeDocument/2006/relationships" xmlns:p="http://schemas.openxmlformats.org/presentationml/2006/main">
+  <p:cSld>
+    <p:spTree>
+      <p:nvGrpSpPr>
+        <p:cNvPr id="1" name=""/>
+        <p:cNvGrpSpPr/>
+        <p:nvPr/>
+      </p:nvGrpSpPr>
+      <p:grpSpPr>
+        <a:xfrm>
+          <a:off x="0" y="0"/>
+          <a:ext cx="0" cy="0"/>
+          <a:chOff x="0" y="0"/>
+          <a:chExt cx="0" cy="0"/>
+        </a:xfrm>
+      </p:grpSpPr>
+      <p:sp>
+        <p:nvSpPr>
+          <p:cNvPr id="2" name="1 Marcador de contenido"/>
+          <p:cNvSpPr>
+            <a:spLocks noGrp="1"/>
+          </p:cNvSpPr>
+          <p:nvPr>
+            <p:ph idx="1"/>
+          </p:nvPr>
+        </p:nvSpPr>
+        <p:spPr/>
+        <p:txBody>
+          <a:bodyPr/>
+          <a:lstStyle/>
+          <a:p>
+            <a:pPr algn="just"/>
+            <a:r>
+              <a:rPr lang="es-PE" sz="3600" dirty="0" smtClean="0"/>
+              <a:t>PETAPP ES UN STARTUP QUE TIENE COMO FIN PRIMORDIAL BRINDARME UN ENTORNO WEB SENCILLO E INTUITIVO PARA ENCONTRAR POSIBLES PAREJAS PARA MI PERRO(A) Y ASI REALIZAR UN CRUCE.</a:t>
+            </a:r>
+          </a:p>
+          <a:p>
+            <a:endParaRPr lang="es-PE" dirty="0"/>
+          </a:p>
+        </p:txBody>
+      </p:sp>
+      <p:sp>
+        <p:nvSpPr>
+          <p:cNvPr id="3" name="2 Título"/>
+          <p:cNvSpPr>
+            <a:spLocks noGrp="1"/>
+          </p:cNvSpPr>
+          <p:nvPr>
+            <p:ph type="title"/>
+          </p:nvPr>
+        </p:nvSpPr>
+        <p:spPr/>
+        <p:txBody>
+          <a:bodyPr/>
+          <a:lstStyle/>
+          <a:p>
+            <a:r>
+              <a:rPr lang="es-PE" dirty="0" smtClean="0"/>
+              <a:t>QUE ES PETAPP Y CUAL ES SU OBJETIVO</a:t>
+            </a:r>
+            <a:endParaRPr lang="es-PE" dirty="0"/>
+          </a:p>
+        </p:txBody>
+      </p:sp>
+    </p:spTree>
+    <p:extLst>
+      <p:ext uri="{BB962C8B-B14F-4D97-AF65-F5344CB8AC3E}">
+        <p14:creationId xmlns:p14="http://schemas.microsoft.com/office/powerpoint/2010/main" val="3247715872"/>
+      </p:ext>
+    </p:extLst>
+  </p:cSld>
+  <p:clrMapOvr>
+    <a:masterClrMapping/>
+  </p:clrMapOvr>
+</p:sld>
+</file>
+
+<file path=ppt/slides/slide4.xml><?xml version="1.0" encoding="utf-8"?>
+<p:sld xmlns:a="http://schemas.openxmlformats.org/drawingml/2006/main" xmlns:r="http://schemas.openxmlformats.org/officeDocument/2006/relationships" xmlns:p="http://schemas.openxmlformats.org/presentationml/2006/main">
+  <p:cSld>
+    <p:spTree>
+      <p:nvGrpSpPr>
+        <p:cNvPr id="1" name=""/>
+        <p:cNvGrpSpPr/>
+        <p:nvPr/>
+      </p:nvGrpSpPr>
+      <p:grpSpPr>
+        <a:xfrm>
+          <a:off x="0" y="0"/>
+          <a:ext cx="0" cy="0"/>
+          <a:chOff x="0" y="0"/>
+          <a:chExt cx="0" cy="0"/>
+        </a:xfrm>
+      </p:grpSpPr>
+      <p:sp>
+        <p:nvSpPr>
+          <p:cNvPr id="2" name="1 Marcador de contenido"/>
+          <p:cNvSpPr>
+            <a:spLocks noGrp="1"/>
+          </p:cNvSpPr>
+          <p:nvPr>
+            <p:ph idx="1"/>
+          </p:nvPr>
+        </p:nvSpPr>
+        <p:spPr/>
+        <p:txBody>
+          <a:bodyPr/>
+          <a:lstStyle/>
+          <a:p>
+            <a:r>
+              <a:rPr lang="es-PE" sz="2800" dirty="0" smtClean="0"/>
+              <a:t>IDEA DE STARTUP</a:t>
+            </a:r>
+          </a:p>
+          <a:p>
+            <a:r>
+              <a:rPr lang="es-PE" sz="2800" dirty="0" smtClean="0"/>
+              <a:t>DESEO DE CRUZAR MI PERRO</a:t>
+            </a:r>
+          </a:p>
+          <a:p>
+            <a:r>
+              <a:rPr lang="es-PE" sz="2800" dirty="0" smtClean="0"/>
+              <a:t>COMENTARIOS POSITIVOS DE GENTE DEL TRABAJO, FAMILIARES Y AMIGOS.</a:t>
+            </a:r>
+          </a:p>
+          <a:p>
+            <a:r>
+              <a:rPr lang="es-PE" sz="3200" b="1" dirty="0" smtClean="0"/>
+              <a:t>MUCHA CONFIANZA DE QUE EL PRODUCTO FINAL SERÁ BUENO, NOVEDOSO Y SENCILLO DE USAR.</a:t>
+            </a:r>
+            <a:endParaRPr lang="es-PE" sz="2400" b="1" dirty="0"/>
+          </a:p>
+        </p:txBody>
+      </p:sp>
+      <p:sp>
+        <p:nvSpPr>
+          <p:cNvPr id="3" name="2 Título"/>
+          <p:cNvSpPr>
+            <a:spLocks noGrp="1"/>
+          </p:cNvSpPr>
+          <p:nvPr>
+            <p:ph type="title"/>
+          </p:nvPr>
+        </p:nvSpPr>
+        <p:spPr/>
+        <p:txBody>
+          <a:bodyPr/>
+          <a:lstStyle/>
+          <a:p>
+            <a:r>
+              <a:rPr lang="es-PE" dirty="0" smtClean="0"/>
+              <a:t>¿Cómo Nace </a:t>
+            </a:r>
+            <a:r>
+              <a:rPr lang="es-PE" dirty="0" err="1" smtClean="0"/>
+              <a:t>petapp</a:t>
+            </a:r>
+            <a:r>
+              <a:rPr lang="es-PE" dirty="0" smtClean="0"/>
+              <a:t>?</a:t>
+            </a:r>
+            <a:endParaRPr lang="es-PE" dirty="0"/>
+          </a:p>
+        </p:txBody>
+      </p:sp>
+    </p:spTree>
+    <p:extLst>
+      <p:ext uri="{BB962C8B-B14F-4D97-AF65-F5344CB8AC3E}">
+        <p14:creationId xmlns:p14="http://schemas.microsoft.com/office/powerpoint/2010/main" val="3474307229"/>
+      </p:ext>
+    </p:extLst>
+  </p:cSld>
+  <p:clrMapOvr>
+    <a:masterClrMapping/>
+  </p:clrMapOvr>
+</p:sld>
+</file>
+
+<file path=ppt/slides/slide5.xml><?xml version="1.0" encoding="utf-8"?>
+<p:sld xmlns:a="http://schemas.openxmlformats.org/drawingml/2006/main" xmlns:r="http://schemas.openxmlformats.org/officeDocument/2006/relationships" xmlns:p="http://schemas.openxmlformats.org/presentationml/2006/main">
+  <p:cSld>
+    <p:spTree>
+      <p:nvGrpSpPr>
+        <p:cNvPr id="1" name=""/>
+        <p:cNvGrpSpPr/>
+        <p:nvPr/>
+      </p:nvGrpSpPr>
+      <p:grpSpPr>
+        <a:xfrm>
+          <a:off x="0" y="0"/>
+          <a:ext cx="0" cy="0"/>
+          <a:chOff x="0" y="0"/>
+          <a:chExt cx="0" cy="0"/>
+        </a:xfrm>
+      </p:grpSpPr>
+      <p:sp>
+        <p:nvSpPr>
+          <p:cNvPr id="2" name="1 Marcador de contenido"/>
+          <p:cNvSpPr>
+            <a:spLocks noGrp="1"/>
+          </p:cNvSpPr>
+          <p:nvPr>
+            <p:ph idx="1"/>
+          </p:nvPr>
+        </p:nvSpPr>
+        <p:spPr/>
+        <p:txBody>
           <a:bodyPr>
-            <a:normAutofit fontScale="70000" lnSpcReduction="20000"/>
+            <a:normAutofit/>
           </a:bodyPr>
           <a:lstStyle/>
           <a:p>
             <a:r>
-              <a:rPr lang="es-PE" dirty="0"/>
+              <a:rPr lang="es-PE" sz="3600" dirty="0"/>
               <a:t>Encargado de Cliente:</a:t>
             </a:r>
-            <a:endParaRPr lang="es-PE" dirty="0"/>
           </a:p>
           <a:p>
             <a:pPr lvl="1" fontAlgn="base">
@@ -4046,7 +4446,7 @@
               <a:buChar char="Ø"/>
             </a:pPr>
             <a:r>
-              <a:rPr lang="es-PE" dirty="0"/>
+              <a:rPr lang="es-PE" sz="3200" dirty="0"/>
               <a:t>Carlos Zarate Carpio.</a:t>
             </a:r>
           </a:p>
@@ -4056,7 +4456,7 @@
               <a:buChar char="Ø"/>
             </a:pPr>
             <a:r>
-              <a:rPr lang="es-PE" dirty="0"/>
+              <a:rPr lang="es-PE" sz="3200" dirty="0"/>
               <a:t>Hans Soto Rojas.</a:t>
             </a:r>
           </a:p>
@@ -4066,7 +4466,7 @@
               <a:buChar char="Ø"/>
             </a:pPr>
             <a:r>
-              <a:rPr lang="es-PE" dirty="0"/>
+              <a:rPr lang="es-PE" sz="3200" dirty="0"/>
               <a:t>Rances Ramos Ramírez.</a:t>
             </a:r>
           </a:p>
@@ -4076,7 +4476,7 @@
               <a:buChar char="Ø"/>
             </a:pPr>
             <a:r>
-              <a:rPr lang="es-PE" dirty="0"/>
+              <a:rPr lang="es-PE" sz="3200" dirty="0"/>
               <a:t>Gustavo Feijoo Oliveira.</a:t>
             </a:r>
           </a:p>
@@ -4086,325 +4486,22 @@
               <a:buChar char="Ø"/>
             </a:pPr>
             <a:r>
-              <a:rPr lang="es-PE" dirty="0"/>
+              <a:rPr lang="es-PE" sz="3200" dirty="0"/>
               <a:t>Elvis Maldonado </a:t>
             </a:r>
             <a:r>
-              <a:rPr lang="es-PE" dirty="0" err="1"/>
+              <a:rPr lang="es-PE" sz="3200" dirty="0" err="1" smtClean="0"/>
               <a:t>Rodriguez</a:t>
             </a:r>
             <a:r>
-              <a:rPr lang="es-PE" dirty="0" smtClean="0"/>
+              <a:rPr lang="es-PE" sz="3200" dirty="0" smtClean="0"/>
               <a:t>.</a:t>
             </a:r>
           </a:p>
           <a:p>
-            <a:pPr lvl="1" fontAlgn="base">
-              <a:buFont typeface="Wingdings" panose="05000000000000000000" pitchFamily="2" charset="2"/>
-              <a:buChar char="Ø"/>
+            <a:pPr marL="365760" lvl="1" indent="0" fontAlgn="base">
+              <a:buNone/>
             </a:pPr>
-            <a:endParaRPr lang="es-PE" dirty="0"/>
-          </a:p>
-          <a:p>
-            <a:r>
-              <a:rPr lang="es-PE" dirty="0"/>
-              <a:t>Encargado de Servidor:</a:t>
-            </a:r>
-            <a:endParaRPr lang="es-PE" dirty="0"/>
-          </a:p>
-          <a:p>
-            <a:pPr lvl="1" fontAlgn="base">
-              <a:buFont typeface="Wingdings" panose="05000000000000000000" pitchFamily="2" charset="2"/>
-              <a:buChar char="Ø"/>
-            </a:pPr>
-            <a:r>
-              <a:rPr lang="es-PE" dirty="0"/>
-              <a:t>Luis </a:t>
-            </a:r>
-            <a:r>
-              <a:rPr lang="es-PE" dirty="0" err="1"/>
-              <a:t>Gianpierre</a:t>
-            </a:r>
-            <a:r>
-              <a:rPr lang="es-PE" dirty="0"/>
-              <a:t> </a:t>
-            </a:r>
-            <a:r>
-              <a:rPr lang="es-PE" dirty="0" err="1"/>
-              <a:t>Portella</a:t>
-            </a:r>
-            <a:r>
-              <a:rPr lang="es-PE" dirty="0"/>
-              <a:t>.</a:t>
-            </a:r>
-          </a:p>
-          <a:p>
-            <a:pPr lvl="1" fontAlgn="base">
-              <a:buFont typeface="Wingdings" panose="05000000000000000000" pitchFamily="2" charset="2"/>
-              <a:buChar char="Ø"/>
-            </a:pPr>
-            <a:r>
-              <a:rPr lang="es-PE" dirty="0"/>
-              <a:t>Alexander Medina Escalante</a:t>
-            </a:r>
-            <a:r>
-              <a:rPr lang="es-PE" dirty="0" smtClean="0"/>
-              <a:t>.</a:t>
-            </a:r>
-          </a:p>
-          <a:p>
-            <a:pPr lvl="1" fontAlgn="base">
-              <a:buFont typeface="Wingdings" panose="05000000000000000000" pitchFamily="2" charset="2"/>
-              <a:buChar char="Ø"/>
-            </a:pPr>
-            <a:endParaRPr lang="es-PE" dirty="0"/>
-          </a:p>
-          <a:p>
-            <a:r>
-              <a:rPr lang="es-PE" dirty="0"/>
-              <a:t>Grupo </a:t>
-            </a:r>
-            <a:r>
-              <a:rPr lang="es-PE" dirty="0" err="1"/>
-              <a:t>PetAPP</a:t>
-            </a:r>
-            <a:r>
-              <a:rPr lang="es-PE" dirty="0"/>
-              <a:t>:</a:t>
-            </a:r>
-            <a:endParaRPr lang="es-PE" dirty="0"/>
-          </a:p>
-          <a:p>
-            <a:pPr lvl="1" fontAlgn="base">
-              <a:buFont typeface="Wingdings" panose="05000000000000000000" pitchFamily="2" charset="2"/>
-              <a:buChar char="Ø"/>
-            </a:pPr>
-            <a:r>
-              <a:rPr lang="es-PE" b="1" dirty="0"/>
-              <a:t>Administrador:</a:t>
-            </a:r>
-            <a:r>
-              <a:rPr lang="es-PE" dirty="0"/>
-              <a:t> Rances Ramos Ramírez.</a:t>
-            </a:r>
-          </a:p>
-          <a:p>
-            <a:pPr lvl="1" fontAlgn="base">
-              <a:buFont typeface="Wingdings" panose="05000000000000000000" pitchFamily="2" charset="2"/>
-              <a:buChar char="Ø"/>
-            </a:pPr>
-            <a:r>
-              <a:rPr lang="es-PE" b="1" dirty="0" err="1"/>
-              <a:t>Scrum</a:t>
-            </a:r>
-            <a:r>
-              <a:rPr lang="es-PE" b="1" dirty="0"/>
-              <a:t> Master: </a:t>
-            </a:r>
-            <a:r>
-              <a:rPr lang="es-PE" dirty="0"/>
-              <a:t>Carlos Zarate Carpio.</a:t>
-            </a:r>
-          </a:p>
-          <a:p>
-            <a:pPr lvl="1" fontAlgn="base">
-              <a:buFont typeface="Wingdings" panose="05000000000000000000" pitchFamily="2" charset="2"/>
-              <a:buChar char="Ø"/>
-            </a:pPr>
-            <a:r>
-              <a:rPr lang="es-PE" b="1" dirty="0"/>
-              <a:t>Server </a:t>
-            </a:r>
-            <a:r>
-              <a:rPr lang="es-PE" b="1" dirty="0" err="1"/>
-              <a:t>Team</a:t>
-            </a:r>
-            <a:r>
-              <a:rPr lang="es-PE" b="1" dirty="0"/>
-              <a:t> Leader: </a:t>
-            </a:r>
-            <a:r>
-              <a:rPr lang="es-PE" dirty="0"/>
-              <a:t>Alexander Medina Escalante.</a:t>
-            </a:r>
-          </a:p>
-          <a:p>
-            <a:pPr lvl="1" fontAlgn="base">
-              <a:buFont typeface="Wingdings" panose="05000000000000000000" pitchFamily="2" charset="2"/>
-              <a:buChar char="Ø"/>
-            </a:pPr>
-            <a:r>
-              <a:rPr lang="es-PE" b="1" dirty="0" err="1"/>
-              <a:t>Issue</a:t>
-            </a:r>
-            <a:r>
-              <a:rPr lang="es-PE" b="1" dirty="0"/>
-              <a:t> Manager: </a:t>
-            </a:r>
-            <a:r>
-              <a:rPr lang="es-PE" dirty="0"/>
-              <a:t>Rances Ramos Ramírez.</a:t>
-            </a:r>
-          </a:p>
-          <a:p>
-            <a:pPr lvl="1" fontAlgn="base">
-              <a:buFont typeface="Wingdings" panose="05000000000000000000" pitchFamily="2" charset="2"/>
-              <a:buChar char="Ø"/>
-            </a:pPr>
-            <a:r>
-              <a:rPr lang="es-PE" b="1" dirty="0" err="1"/>
-              <a:t>Client</a:t>
-            </a:r>
-            <a:r>
-              <a:rPr lang="es-PE" b="1" dirty="0"/>
-              <a:t> </a:t>
-            </a:r>
-            <a:r>
-              <a:rPr lang="es-PE" b="1" dirty="0" err="1"/>
-              <a:t>Team</a:t>
-            </a:r>
-            <a:r>
-              <a:rPr lang="es-PE" b="1" dirty="0"/>
-              <a:t> Leader: </a:t>
-            </a:r>
-            <a:r>
-              <a:rPr lang="es-PE" dirty="0"/>
-              <a:t>Hans Soto Rojas.</a:t>
-            </a:r>
-          </a:p>
-          <a:p>
-            <a:pPr lvl="1" fontAlgn="base">
-              <a:buFont typeface="Wingdings" panose="05000000000000000000" pitchFamily="2" charset="2"/>
-              <a:buChar char="Ø"/>
-            </a:pPr>
-            <a:r>
-              <a:rPr lang="es-PE" b="1" dirty="0"/>
-              <a:t>Server </a:t>
-            </a:r>
-            <a:r>
-              <a:rPr lang="es-PE" b="1" dirty="0" err="1"/>
-              <a:t>Testing</a:t>
-            </a:r>
-            <a:r>
-              <a:rPr lang="es-PE" b="1" dirty="0"/>
-              <a:t> Leader: </a:t>
-            </a:r>
-            <a:r>
-              <a:rPr lang="es-PE" dirty="0"/>
-              <a:t>Luis </a:t>
-            </a:r>
-            <a:r>
-              <a:rPr lang="es-PE" dirty="0" err="1"/>
-              <a:t>Gianpierre</a:t>
-            </a:r>
-            <a:r>
-              <a:rPr lang="es-PE" dirty="0"/>
-              <a:t> </a:t>
-            </a:r>
-            <a:r>
-              <a:rPr lang="es-PE" dirty="0" err="1"/>
-              <a:t>Portella</a:t>
-            </a:r>
-            <a:r>
-              <a:rPr lang="es-PE" dirty="0"/>
-              <a:t>.</a:t>
-            </a:r>
-          </a:p>
-          <a:p>
-            <a:pPr lvl="1" fontAlgn="base">
-              <a:buFont typeface="Wingdings" panose="05000000000000000000" pitchFamily="2" charset="2"/>
-              <a:buChar char="Ø"/>
-            </a:pPr>
-            <a:r>
-              <a:rPr lang="es-PE" b="1" dirty="0" err="1"/>
-              <a:t>Product</a:t>
-            </a:r>
-            <a:r>
-              <a:rPr lang="es-PE" b="1" dirty="0"/>
-              <a:t> </a:t>
-            </a:r>
-            <a:r>
-              <a:rPr lang="es-PE" b="1" dirty="0" err="1"/>
-              <a:t>Owner</a:t>
-            </a:r>
-            <a:r>
-              <a:rPr lang="es-PE" b="1" dirty="0"/>
-              <a:t>: </a:t>
-            </a:r>
-            <a:r>
-              <a:rPr lang="es-PE" dirty="0"/>
-              <a:t>Luis </a:t>
-            </a:r>
-            <a:r>
-              <a:rPr lang="es-PE" dirty="0" err="1"/>
-              <a:t>Gianpierre</a:t>
-            </a:r>
-            <a:r>
-              <a:rPr lang="es-PE" dirty="0"/>
-              <a:t> </a:t>
-            </a:r>
-            <a:r>
-              <a:rPr lang="es-PE" dirty="0" err="1"/>
-              <a:t>Portella</a:t>
-            </a:r>
-            <a:r>
-              <a:rPr lang="es-PE" dirty="0"/>
-              <a:t>.</a:t>
-            </a:r>
-          </a:p>
-          <a:p>
-            <a:pPr lvl="1" fontAlgn="base">
-              <a:buFont typeface="Wingdings" panose="05000000000000000000" pitchFamily="2" charset="2"/>
-              <a:buChar char="Ø"/>
-            </a:pPr>
-            <a:r>
-              <a:rPr lang="es-PE" b="1" dirty="0" err="1"/>
-              <a:t>Client</a:t>
-            </a:r>
-            <a:r>
-              <a:rPr lang="es-PE" b="1" dirty="0"/>
-              <a:t> </a:t>
-            </a:r>
-            <a:r>
-              <a:rPr lang="es-PE" b="1" dirty="0" err="1"/>
-              <a:t>Testing</a:t>
-            </a:r>
-            <a:r>
-              <a:rPr lang="es-PE" b="1" dirty="0"/>
-              <a:t> Leader: </a:t>
-            </a:r>
-            <a:r>
-              <a:rPr lang="es-PE" dirty="0"/>
-              <a:t>Elvis Maldonado </a:t>
-            </a:r>
-            <a:r>
-              <a:rPr lang="es-PE" dirty="0" err="1"/>
-              <a:t>Rodriguez</a:t>
-            </a:r>
-            <a:r>
-              <a:rPr lang="es-PE" dirty="0"/>
-              <a:t>.</a:t>
-            </a:r>
-          </a:p>
-          <a:p>
-            <a:pPr lvl="1" fontAlgn="base">
-              <a:buFont typeface="Wingdings" panose="05000000000000000000" pitchFamily="2" charset="2"/>
-              <a:buChar char="Ø"/>
-            </a:pPr>
-            <a:r>
-              <a:rPr lang="es-PE" b="1" dirty="0" err="1"/>
-              <a:t>Integration</a:t>
-            </a:r>
-            <a:r>
-              <a:rPr lang="es-PE" b="1" dirty="0"/>
-              <a:t> Manager: </a:t>
-            </a:r>
-            <a:r>
-              <a:rPr lang="es-PE" dirty="0"/>
-              <a:t>Gustavo Feijoo Oliveira.</a:t>
-            </a:r>
-          </a:p>
-          <a:p>
             <a:endParaRPr lang="es-PE" dirty="0"/>
           </a:p>
         </p:txBody>
@@ -4452,7 +4549,475 @@
 </p:sld>
 </file>
 
-<file path=ppt/slides/slide3.xml><?xml version="1.0" encoding="utf-8"?>
+<file path=ppt/slides/slide6.xml><?xml version="1.0" encoding="utf-8"?>
+<p:sld xmlns:a="http://schemas.openxmlformats.org/drawingml/2006/main" xmlns:r="http://schemas.openxmlformats.org/officeDocument/2006/relationships" xmlns:p="http://schemas.openxmlformats.org/presentationml/2006/main">
+  <p:cSld>
+    <p:spTree>
+      <p:nvGrpSpPr>
+        <p:cNvPr id="1" name=""/>
+        <p:cNvGrpSpPr/>
+        <p:nvPr/>
+      </p:nvGrpSpPr>
+      <p:grpSpPr>
+        <a:xfrm>
+          <a:off x="0" y="0"/>
+          <a:ext cx="0" cy="0"/>
+          <a:chOff x="0" y="0"/>
+          <a:chExt cx="0" cy="0"/>
+        </a:xfrm>
+      </p:grpSpPr>
+      <p:sp>
+        <p:nvSpPr>
+          <p:cNvPr id="2" name="1 Marcador de contenido"/>
+          <p:cNvSpPr>
+            <a:spLocks noGrp="1"/>
+          </p:cNvSpPr>
+          <p:nvPr>
+            <p:ph idx="1"/>
+          </p:nvPr>
+        </p:nvSpPr>
+        <p:spPr/>
+        <p:txBody>
+          <a:bodyPr>
+            <a:normAutofit/>
+          </a:bodyPr>
+          <a:lstStyle/>
+          <a:p>
+            <a:pPr lvl="1" fontAlgn="base">
+              <a:buFont typeface="Wingdings" panose="05000000000000000000" pitchFamily="2" charset="2"/>
+              <a:buChar char="Ø"/>
+            </a:pPr>
+            <a:endParaRPr lang="es-PE" dirty="0"/>
+          </a:p>
+          <a:p>
+            <a:r>
+              <a:rPr lang="es-PE" sz="3600" dirty="0"/>
+              <a:t>Encargado de Servidor:</a:t>
+            </a:r>
+          </a:p>
+          <a:p>
+            <a:pPr lvl="1" fontAlgn="base">
+              <a:buFont typeface="Wingdings" panose="05000000000000000000" pitchFamily="2" charset="2"/>
+              <a:buChar char="Ø"/>
+            </a:pPr>
+            <a:r>
+              <a:rPr lang="es-PE" sz="3200" dirty="0"/>
+              <a:t>Luis </a:t>
+            </a:r>
+            <a:r>
+              <a:rPr lang="es-PE" sz="3200" dirty="0" err="1"/>
+              <a:t>Gianpierre</a:t>
+            </a:r>
+            <a:r>
+              <a:rPr lang="es-PE" sz="3200" dirty="0"/>
+              <a:t> </a:t>
+            </a:r>
+            <a:r>
+              <a:rPr lang="es-PE" sz="3200" dirty="0" err="1"/>
+              <a:t>Portella</a:t>
+            </a:r>
+            <a:r>
+              <a:rPr lang="es-PE" sz="3200" dirty="0"/>
+              <a:t>.</a:t>
+            </a:r>
+          </a:p>
+          <a:p>
+            <a:pPr lvl="1" fontAlgn="base">
+              <a:buFont typeface="Wingdings" panose="05000000000000000000" pitchFamily="2" charset="2"/>
+              <a:buChar char="Ø"/>
+            </a:pPr>
+            <a:r>
+              <a:rPr lang="es-PE" sz="3200" dirty="0"/>
+              <a:t>Alexander Medina </a:t>
+            </a:r>
+            <a:r>
+              <a:rPr lang="es-PE" sz="3200" dirty="0" smtClean="0"/>
+              <a:t>Escalante.</a:t>
+            </a:r>
+          </a:p>
+          <a:p>
+            <a:pPr marL="365760" lvl="1" indent="0" fontAlgn="base">
+              <a:buNone/>
+            </a:pPr>
+            <a:endParaRPr lang="es-PE" dirty="0"/>
+          </a:p>
+        </p:txBody>
+      </p:sp>
+      <p:sp>
+        <p:nvSpPr>
+          <p:cNvPr id="3" name="2 Título"/>
+          <p:cNvSpPr>
+            <a:spLocks noGrp="1"/>
+          </p:cNvSpPr>
+          <p:nvPr>
+            <p:ph type="title"/>
+          </p:nvPr>
+        </p:nvSpPr>
+        <p:spPr/>
+        <p:txBody>
+          <a:bodyPr/>
+          <a:lstStyle/>
+          <a:p>
+            <a:r>
+              <a:rPr lang="es-PE" dirty="0" smtClean="0"/>
+              <a:t>Roles y responsabilidades</a:t>
+            </a:r>
+            <a:endParaRPr lang="es-PE" dirty="0"/>
+          </a:p>
+        </p:txBody>
+      </p:sp>
+    </p:spTree>
+    <p:extLst>
+      <p:ext uri="{BB962C8B-B14F-4D97-AF65-F5344CB8AC3E}">
+        <p14:creationId xmlns:p14="http://schemas.microsoft.com/office/powerpoint/2010/main" val="1736302388"/>
+      </p:ext>
+    </p:extLst>
+  </p:cSld>
+  <p:clrMapOvr>
+    <a:masterClrMapping/>
+  </p:clrMapOvr>
+  <p:timing>
+    <p:tnLst>
+      <p:par>
+        <p:cTn id="1" dur="indefinite" restart="never" nodeType="tmRoot"/>
+      </p:par>
+    </p:tnLst>
+  </p:timing>
+</p:sld>
+</file>
+
+<file path=ppt/slides/slide7.xml><?xml version="1.0" encoding="utf-8"?>
+<p:sld xmlns:a="http://schemas.openxmlformats.org/drawingml/2006/main" xmlns:r="http://schemas.openxmlformats.org/officeDocument/2006/relationships" xmlns:p="http://schemas.openxmlformats.org/presentationml/2006/main">
+  <p:cSld>
+    <p:spTree>
+      <p:nvGrpSpPr>
+        <p:cNvPr id="1" name=""/>
+        <p:cNvGrpSpPr/>
+        <p:nvPr/>
+      </p:nvGrpSpPr>
+      <p:grpSpPr>
+        <a:xfrm>
+          <a:off x="0" y="0"/>
+          <a:ext cx="0" cy="0"/>
+          <a:chOff x="0" y="0"/>
+          <a:chExt cx="0" cy="0"/>
+        </a:xfrm>
+      </p:grpSpPr>
+      <p:sp>
+        <p:nvSpPr>
+          <p:cNvPr id="2" name="1 Marcador de contenido"/>
+          <p:cNvSpPr>
+            <a:spLocks noGrp="1"/>
+          </p:cNvSpPr>
+          <p:nvPr>
+            <p:ph idx="1"/>
+          </p:nvPr>
+        </p:nvSpPr>
+        <p:spPr/>
+        <p:txBody>
+          <a:bodyPr>
+            <a:normAutofit fontScale="92500" lnSpcReduction="10000"/>
+          </a:bodyPr>
+          <a:lstStyle/>
+          <a:p>
+            <a:pPr marL="365760" lvl="1" indent="0" fontAlgn="base">
+              <a:buNone/>
+            </a:pPr>
+            <a:endParaRPr lang="es-PE" sz="1500" dirty="0" smtClean="0"/>
+          </a:p>
+          <a:p>
+            <a:r>
+              <a:rPr lang="es-PE" sz="3100" dirty="0" smtClean="0"/>
+              <a:t>Grupo </a:t>
+            </a:r>
+            <a:r>
+              <a:rPr lang="es-PE" sz="3100" dirty="0" err="1"/>
+              <a:t>PetAPP</a:t>
+            </a:r>
+            <a:r>
+              <a:rPr lang="es-PE" sz="3100" dirty="0"/>
+              <a:t>:</a:t>
+            </a:r>
+          </a:p>
+          <a:p>
+            <a:pPr lvl="1" fontAlgn="base">
+              <a:buFont typeface="Wingdings" panose="05000000000000000000" pitchFamily="2" charset="2"/>
+              <a:buChar char="Ø"/>
+            </a:pPr>
+            <a:r>
+              <a:rPr lang="es-PE" sz="2600" b="1" dirty="0"/>
+              <a:t>Administrador:</a:t>
+            </a:r>
+            <a:r>
+              <a:rPr lang="es-PE" sz="2600" dirty="0"/>
+              <a:t> Rances Ramos Ramírez.</a:t>
+            </a:r>
+          </a:p>
+          <a:p>
+            <a:pPr lvl="1" fontAlgn="base">
+              <a:buFont typeface="Wingdings" panose="05000000000000000000" pitchFamily="2" charset="2"/>
+              <a:buChar char="Ø"/>
+            </a:pPr>
+            <a:r>
+              <a:rPr lang="es-PE" sz="2600" b="1" dirty="0" err="1"/>
+              <a:t>Scrum</a:t>
+            </a:r>
+            <a:r>
+              <a:rPr lang="es-PE" sz="2600" b="1" dirty="0"/>
+              <a:t> Master: </a:t>
+            </a:r>
+            <a:r>
+              <a:rPr lang="es-PE" sz="2600" dirty="0"/>
+              <a:t>Carlos Zarate Carpio.</a:t>
+            </a:r>
+          </a:p>
+          <a:p>
+            <a:pPr lvl="1" fontAlgn="base">
+              <a:buFont typeface="Wingdings" panose="05000000000000000000" pitchFamily="2" charset="2"/>
+              <a:buChar char="Ø"/>
+            </a:pPr>
+            <a:r>
+              <a:rPr lang="es-PE" sz="2600" b="1" dirty="0"/>
+              <a:t>Server </a:t>
+            </a:r>
+            <a:r>
+              <a:rPr lang="es-PE" sz="2600" b="1" dirty="0" err="1"/>
+              <a:t>Team</a:t>
+            </a:r>
+            <a:r>
+              <a:rPr lang="es-PE" sz="2600" b="1" dirty="0"/>
+              <a:t> Leader: </a:t>
+            </a:r>
+            <a:r>
+              <a:rPr lang="es-PE" sz="2600" dirty="0"/>
+              <a:t>Alexander Medina Escalante.</a:t>
+            </a:r>
+          </a:p>
+          <a:p>
+            <a:pPr lvl="1" fontAlgn="base">
+              <a:buFont typeface="Wingdings" panose="05000000000000000000" pitchFamily="2" charset="2"/>
+              <a:buChar char="Ø"/>
+            </a:pPr>
+            <a:r>
+              <a:rPr lang="es-PE" sz="2600" b="1" dirty="0" err="1"/>
+              <a:t>Issue</a:t>
+            </a:r>
+            <a:r>
+              <a:rPr lang="es-PE" sz="2600" b="1" dirty="0"/>
+              <a:t> Manager: </a:t>
+            </a:r>
+            <a:r>
+              <a:rPr lang="es-PE" sz="2600" dirty="0"/>
+              <a:t>Rances Ramos Ramírez.</a:t>
+            </a:r>
+          </a:p>
+          <a:p>
+            <a:pPr lvl="1" fontAlgn="base">
+              <a:buFont typeface="Wingdings" panose="05000000000000000000" pitchFamily="2" charset="2"/>
+              <a:buChar char="Ø"/>
+            </a:pPr>
+            <a:r>
+              <a:rPr lang="es-PE" sz="2600" b="1" dirty="0" err="1"/>
+              <a:t>Client</a:t>
+            </a:r>
+            <a:r>
+              <a:rPr lang="es-PE" sz="2600" b="1" dirty="0"/>
+              <a:t> </a:t>
+            </a:r>
+            <a:r>
+              <a:rPr lang="es-PE" sz="2600" b="1" dirty="0" err="1"/>
+              <a:t>Team</a:t>
+            </a:r>
+            <a:r>
+              <a:rPr lang="es-PE" sz="2600" b="1" dirty="0"/>
+              <a:t> Leader: </a:t>
+            </a:r>
+            <a:r>
+              <a:rPr lang="es-PE" sz="2600" dirty="0"/>
+              <a:t>Hans Soto Rojas.</a:t>
+            </a:r>
+          </a:p>
+          <a:p>
+            <a:pPr lvl="1" fontAlgn="base">
+              <a:buFont typeface="Wingdings" panose="05000000000000000000" pitchFamily="2" charset="2"/>
+              <a:buChar char="Ø"/>
+            </a:pPr>
+            <a:r>
+              <a:rPr lang="es-PE" sz="2600" b="1" dirty="0"/>
+              <a:t>Server </a:t>
+            </a:r>
+            <a:r>
+              <a:rPr lang="es-PE" sz="2600" b="1" dirty="0" err="1"/>
+              <a:t>Testing</a:t>
+            </a:r>
+            <a:r>
+              <a:rPr lang="es-PE" sz="2600" b="1" dirty="0"/>
+              <a:t> Leader: </a:t>
+            </a:r>
+            <a:r>
+              <a:rPr lang="es-PE" sz="2600" dirty="0"/>
+              <a:t>Luis </a:t>
+            </a:r>
+            <a:r>
+              <a:rPr lang="es-PE" sz="2600" dirty="0" err="1"/>
+              <a:t>Gianpierre</a:t>
+            </a:r>
+            <a:r>
+              <a:rPr lang="es-PE" sz="2600" dirty="0"/>
+              <a:t> </a:t>
+            </a:r>
+            <a:r>
+              <a:rPr lang="es-PE" sz="2600" dirty="0" err="1"/>
+              <a:t>Portella</a:t>
+            </a:r>
+            <a:r>
+              <a:rPr lang="es-PE" sz="2600" dirty="0"/>
+              <a:t>.</a:t>
+            </a:r>
+          </a:p>
+          <a:p>
+            <a:pPr lvl="1" fontAlgn="base">
+              <a:buFont typeface="Wingdings" panose="05000000000000000000" pitchFamily="2" charset="2"/>
+              <a:buChar char="Ø"/>
+            </a:pPr>
+            <a:r>
+              <a:rPr lang="es-PE" sz="2600" b="1" dirty="0" err="1"/>
+              <a:t>Product</a:t>
+            </a:r>
+            <a:r>
+              <a:rPr lang="es-PE" sz="2600" b="1" dirty="0"/>
+              <a:t> </a:t>
+            </a:r>
+            <a:r>
+              <a:rPr lang="es-PE" sz="2600" b="1" dirty="0" err="1"/>
+              <a:t>Owner</a:t>
+            </a:r>
+            <a:r>
+              <a:rPr lang="es-PE" sz="2600" b="1" dirty="0"/>
+              <a:t>: </a:t>
+            </a:r>
+            <a:r>
+              <a:rPr lang="es-PE" sz="2600" dirty="0"/>
+              <a:t>Luis </a:t>
+            </a:r>
+            <a:r>
+              <a:rPr lang="es-PE" sz="2600" dirty="0" err="1"/>
+              <a:t>Gianpierre</a:t>
+            </a:r>
+            <a:r>
+              <a:rPr lang="es-PE" sz="2600" dirty="0"/>
+              <a:t> </a:t>
+            </a:r>
+            <a:r>
+              <a:rPr lang="es-PE" sz="2600" dirty="0" err="1"/>
+              <a:t>Portella</a:t>
+            </a:r>
+            <a:r>
+              <a:rPr lang="es-PE" sz="2600" dirty="0"/>
+              <a:t>.</a:t>
+            </a:r>
+          </a:p>
+          <a:p>
+            <a:pPr lvl="1" fontAlgn="base">
+              <a:buFont typeface="Wingdings" panose="05000000000000000000" pitchFamily="2" charset="2"/>
+              <a:buChar char="Ø"/>
+            </a:pPr>
+            <a:r>
+              <a:rPr lang="es-PE" sz="2600" b="1" dirty="0" err="1"/>
+              <a:t>Client</a:t>
+            </a:r>
+            <a:r>
+              <a:rPr lang="es-PE" sz="2600" b="1" dirty="0"/>
+              <a:t> </a:t>
+            </a:r>
+            <a:r>
+              <a:rPr lang="es-PE" sz="2600" b="1" dirty="0" err="1"/>
+              <a:t>Testing</a:t>
+            </a:r>
+            <a:r>
+              <a:rPr lang="es-PE" sz="2600" b="1" dirty="0"/>
+              <a:t> Leader: </a:t>
+            </a:r>
+            <a:r>
+              <a:rPr lang="es-PE" sz="2600" dirty="0"/>
+              <a:t>Elvis Maldonado </a:t>
+            </a:r>
+            <a:r>
+              <a:rPr lang="es-PE" sz="2600" dirty="0" err="1"/>
+              <a:t>Rodriguez</a:t>
+            </a:r>
+            <a:r>
+              <a:rPr lang="es-PE" sz="2600" dirty="0"/>
+              <a:t>.</a:t>
+            </a:r>
+          </a:p>
+          <a:p>
+            <a:pPr lvl="1" fontAlgn="base">
+              <a:buFont typeface="Wingdings" panose="05000000000000000000" pitchFamily="2" charset="2"/>
+              <a:buChar char="Ø"/>
+            </a:pPr>
+            <a:r>
+              <a:rPr lang="es-PE" sz="2600" b="1" dirty="0" err="1"/>
+              <a:t>Integration</a:t>
+            </a:r>
+            <a:r>
+              <a:rPr lang="es-PE" sz="2600" b="1" dirty="0"/>
+              <a:t> Manager: </a:t>
+            </a:r>
+            <a:r>
+              <a:rPr lang="es-PE" sz="2600" dirty="0"/>
+              <a:t>Gustavo Feijoo Oliveira.</a:t>
+            </a:r>
+          </a:p>
+          <a:p>
+            <a:endParaRPr lang="es-PE" dirty="0"/>
+          </a:p>
+        </p:txBody>
+      </p:sp>
+      <p:sp>
+        <p:nvSpPr>
+          <p:cNvPr id="3" name="2 Título"/>
+          <p:cNvSpPr>
+            <a:spLocks noGrp="1"/>
+          </p:cNvSpPr>
+          <p:nvPr>
+            <p:ph type="title"/>
+          </p:nvPr>
+        </p:nvSpPr>
+        <p:spPr/>
+        <p:txBody>
+          <a:bodyPr/>
+          <a:lstStyle/>
+          <a:p>
+            <a:r>
+              <a:rPr lang="es-PE" dirty="0" smtClean="0"/>
+              <a:t>Roles y responsabilidades</a:t>
+            </a:r>
+            <a:endParaRPr lang="es-PE" dirty="0"/>
+          </a:p>
+        </p:txBody>
+      </p:sp>
+    </p:spTree>
+    <p:extLst>
+      <p:ext uri="{BB962C8B-B14F-4D97-AF65-F5344CB8AC3E}">
+        <p14:creationId xmlns:p14="http://schemas.microsoft.com/office/powerpoint/2010/main" val="1736302388"/>
+      </p:ext>
+    </p:extLst>
+  </p:cSld>
+  <p:clrMapOvr>
+    <a:masterClrMapping/>
+  </p:clrMapOvr>
+  <p:timing>
+    <p:tnLst>
+      <p:par>
+        <p:cTn id="1" dur="indefinite" restart="never" nodeType="tmRoot"/>
+      </p:par>
+    </p:tnLst>
+  </p:timing>
+</p:sld>
+</file>
+
+<file path=ppt/slides/slide8.xml><?xml version="1.0" encoding="utf-8"?>
 <p:sld xmlns:a="http://schemas.openxmlformats.org/drawingml/2006/main" xmlns:r="http://schemas.openxmlformats.org/officeDocument/2006/relationships" xmlns:p="http://schemas.openxmlformats.org/presentationml/2006/main">
   <p:cSld>
     <p:spTree>
@@ -4642,7 +5207,7 @@
 </p:sld>
 </file>
 
-<file path=ppt/slides/slide4.xml><?xml version="1.0" encoding="utf-8"?>
+<file path=ppt/slides/slide9.xml><?xml version="1.0" encoding="utf-8"?>
 <p:sld xmlns:a="http://schemas.openxmlformats.org/drawingml/2006/main" xmlns:r="http://schemas.openxmlformats.org/officeDocument/2006/relationships" xmlns:p="http://schemas.openxmlformats.org/presentationml/2006/main">
   <p:cSld>
     <p:spTree>
@@ -5601,102 +6166,6 @@
 </p:sld>
 </file>
 
-<file path=ppt/slides/slide5.xml><?xml version="1.0" encoding="utf-8"?>
-<p:sld xmlns:a="http://schemas.openxmlformats.org/drawingml/2006/main" xmlns:r="http://schemas.openxmlformats.org/officeDocument/2006/relationships" xmlns:p="http://schemas.openxmlformats.org/presentationml/2006/main">
-  <p:cSld>
-    <p:spTree>
-      <p:nvGrpSpPr>
-        <p:cNvPr id="1" name=""/>
-        <p:cNvGrpSpPr/>
-        <p:nvPr/>
-      </p:nvGrpSpPr>
-      <p:grpSpPr>
-        <a:xfrm>
-          <a:off x="0" y="0"/>
-          <a:ext cx="0" cy="0"/>
-          <a:chOff x="0" y="0"/>
-          <a:chExt cx="0" cy="0"/>
-        </a:xfrm>
-      </p:grpSpPr>
-      <p:sp>
-        <p:nvSpPr>
-          <p:cNvPr id="3" name="2 Título"/>
-          <p:cNvSpPr>
-            <a:spLocks noGrp="1"/>
-          </p:cNvSpPr>
-          <p:nvPr>
-            <p:ph type="title"/>
-          </p:nvPr>
-        </p:nvSpPr>
-        <p:spPr/>
-        <p:txBody>
-          <a:bodyPr/>
-          <a:lstStyle/>
-          <a:p>
-            <a:r>
-              <a:rPr lang="es-PE" dirty="0" smtClean="0"/>
-              <a:t>Matriz </a:t>
-            </a:r>
-            <a:r>
-              <a:rPr lang="es-PE" dirty="0" err="1" smtClean="0"/>
-              <a:t>raci</a:t>
-            </a:r>
-            <a:endParaRPr lang="es-PE" dirty="0"/>
-          </a:p>
-        </p:txBody>
-      </p:sp>
-      <p:pic>
-        <p:nvPicPr>
-          <p:cNvPr id="4" name="0 Imagen"/>
-          <p:cNvPicPr>
-            <a:picLocks noGrp="1"/>
-          </p:cNvPicPr>
-          <p:nvPr>
-            <p:ph idx="1"/>
-          </p:nvPr>
-        </p:nvPicPr>
-        <p:blipFill>
-          <a:blip r:embed="rId2">
-            <a:extLst>
-              <a:ext uri="{28A0092B-C50C-407E-A947-70E740481C1C}">
-                <a14:useLocalDpi xmlns:a14="http://schemas.microsoft.com/office/drawing/2010/main" val="0"/>
-              </a:ext>
-            </a:extLst>
-          </a:blip>
-          <a:stretch>
-            <a:fillRect/>
-          </a:stretch>
-        </p:blipFill>
-        <p:spPr>
-          <a:xfrm>
-            <a:off x="755576" y="2060848"/>
-            <a:ext cx="7638114" cy="3884689"/>
-          </a:xfrm>
-          <a:prstGeom prst="rect">
-            <a:avLst/>
-          </a:prstGeom>
-        </p:spPr>
-      </p:pic>
-    </p:spTree>
-    <p:extLst>
-      <p:ext uri="{BB962C8B-B14F-4D97-AF65-F5344CB8AC3E}">
-        <p14:creationId xmlns:p14="http://schemas.microsoft.com/office/powerpoint/2010/main" val="2668999323"/>
-      </p:ext>
-    </p:extLst>
-  </p:cSld>
-  <p:clrMapOvr>
-    <a:masterClrMapping/>
-  </p:clrMapOvr>
-  <p:timing>
-    <p:tnLst>
-      <p:par>
-        <p:cTn id="1" dur="indefinite" restart="never" nodeType="tmRoot"/>
-      </p:par>
-    </p:tnLst>
-  </p:timing>
-</p:sld>
-</file>
-
 <file path=ppt/theme/theme1.xml><?xml version="1.0" encoding="utf-8"?>
 <a:theme xmlns:a="http://schemas.openxmlformats.org/drawingml/2006/main" name="Cuadrícula">
   <a:themeElements>

--- a/Documentos/PETAPP.pptx
+++ b/Documentos/PETAPP.pptx
@@ -13,8 +13,6 @@
     <p:sldId id="264" r:id="rId7"/>
     <p:sldId id="265" r:id="rId8"/>
     <p:sldId id="258" r:id="rId9"/>
-    <p:sldId id="259" r:id="rId10"/>
-    <p:sldId id="260" r:id="rId11"/>
   </p:sldIdLst>
   <p:sldSz cx="9144000" cy="6858000" type="screen4x3"/>
   <p:notesSz cx="6858000" cy="9144000"/>
@@ -4005,102 +4003,6 @@
 </p:sld>
 </file>
 
-<file path=ppt/slides/slide10.xml><?xml version="1.0" encoding="utf-8"?>
-<p:sld xmlns:a="http://schemas.openxmlformats.org/drawingml/2006/main" xmlns:r="http://schemas.openxmlformats.org/officeDocument/2006/relationships" xmlns:p="http://schemas.openxmlformats.org/presentationml/2006/main">
-  <p:cSld>
-    <p:spTree>
-      <p:nvGrpSpPr>
-        <p:cNvPr id="1" name=""/>
-        <p:cNvGrpSpPr/>
-        <p:nvPr/>
-      </p:nvGrpSpPr>
-      <p:grpSpPr>
-        <a:xfrm>
-          <a:off x="0" y="0"/>
-          <a:ext cx="0" cy="0"/>
-          <a:chOff x="0" y="0"/>
-          <a:chExt cx="0" cy="0"/>
-        </a:xfrm>
-      </p:grpSpPr>
-      <p:sp>
-        <p:nvSpPr>
-          <p:cNvPr id="3" name="2 Título"/>
-          <p:cNvSpPr>
-            <a:spLocks noGrp="1"/>
-          </p:cNvSpPr>
-          <p:nvPr>
-            <p:ph type="title"/>
-          </p:nvPr>
-        </p:nvSpPr>
-        <p:spPr/>
-        <p:txBody>
-          <a:bodyPr/>
-          <a:lstStyle/>
-          <a:p>
-            <a:r>
-              <a:rPr lang="es-PE" dirty="0" smtClean="0"/>
-              <a:t>Matriz </a:t>
-            </a:r>
-            <a:r>
-              <a:rPr lang="es-PE" dirty="0" err="1" smtClean="0"/>
-              <a:t>raci</a:t>
-            </a:r>
-            <a:endParaRPr lang="es-PE" dirty="0"/>
-          </a:p>
-        </p:txBody>
-      </p:sp>
-      <p:pic>
-        <p:nvPicPr>
-          <p:cNvPr id="4" name="0 Imagen"/>
-          <p:cNvPicPr>
-            <a:picLocks noGrp="1"/>
-          </p:cNvPicPr>
-          <p:nvPr>
-            <p:ph idx="1"/>
-          </p:nvPr>
-        </p:nvPicPr>
-        <p:blipFill>
-          <a:blip r:embed="rId2">
-            <a:extLst>
-              <a:ext uri="{28A0092B-C50C-407E-A947-70E740481C1C}">
-                <a14:useLocalDpi xmlns:a14="http://schemas.microsoft.com/office/drawing/2010/main" val="0"/>
-              </a:ext>
-            </a:extLst>
-          </a:blip>
-          <a:stretch>
-            <a:fillRect/>
-          </a:stretch>
-        </p:blipFill>
-        <p:spPr>
-          <a:xfrm>
-            <a:off x="755576" y="2060848"/>
-            <a:ext cx="7638114" cy="3884689"/>
-          </a:xfrm>
-          <a:prstGeom prst="rect">
-            <a:avLst/>
-          </a:prstGeom>
-        </p:spPr>
-      </p:pic>
-    </p:spTree>
-    <p:extLst>
-      <p:ext uri="{BB962C8B-B14F-4D97-AF65-F5344CB8AC3E}">
-        <p14:creationId xmlns:p14="http://schemas.microsoft.com/office/powerpoint/2010/main" val="2668999323"/>
-      </p:ext>
-    </p:extLst>
-  </p:cSld>
-  <p:clrMapOvr>
-    <a:masterClrMapping/>
-  </p:clrMapOvr>
-  <p:timing>
-    <p:tnLst>
-      <p:par>
-        <p:cTn id="1" dur="indefinite" restart="never" nodeType="tmRoot"/>
-      </p:par>
-    </p:tnLst>
-  </p:timing>
-</p:sld>
-</file>
-
 <file path=ppt/slides/slide2.xml><?xml version="1.0" encoding="utf-8"?>
 <p:sld xmlns:a="http://schemas.openxmlformats.org/drawingml/2006/main" xmlns:r="http://schemas.openxmlformats.org/officeDocument/2006/relationships" xmlns:p="http://schemas.openxmlformats.org/presentationml/2006/main">
   <p:cSld>
@@ -5191,965 +5093,6 @@
     <p:extLst>
       <p:ext uri="{BB962C8B-B14F-4D97-AF65-F5344CB8AC3E}">
         <p14:creationId xmlns:p14="http://schemas.microsoft.com/office/powerpoint/2010/main" val="3217674122"/>
-      </p:ext>
-    </p:extLst>
-  </p:cSld>
-  <p:clrMapOvr>
-    <a:masterClrMapping/>
-  </p:clrMapOvr>
-  <p:timing>
-    <p:tnLst>
-      <p:par>
-        <p:cTn id="1" dur="indefinite" restart="never" nodeType="tmRoot"/>
-      </p:par>
-    </p:tnLst>
-  </p:timing>
-</p:sld>
-</file>
-
-<file path=ppt/slides/slide9.xml><?xml version="1.0" encoding="utf-8"?>
-<p:sld xmlns:a="http://schemas.openxmlformats.org/drawingml/2006/main" xmlns:r="http://schemas.openxmlformats.org/officeDocument/2006/relationships" xmlns:p="http://schemas.openxmlformats.org/presentationml/2006/main">
-  <p:cSld>
-    <p:spTree>
-      <p:nvGrpSpPr>
-        <p:cNvPr id="1" name=""/>
-        <p:cNvGrpSpPr/>
-        <p:nvPr/>
-      </p:nvGrpSpPr>
-      <p:grpSpPr>
-        <a:xfrm>
-          <a:off x="0" y="0"/>
-          <a:ext cx="0" cy="0"/>
-          <a:chOff x="0" y="0"/>
-          <a:chExt cx="0" cy="0"/>
-        </a:xfrm>
-      </p:grpSpPr>
-      <p:graphicFrame>
-        <p:nvGraphicFramePr>
-          <p:cNvPr id="4" name="3 Marcador de contenido"/>
-          <p:cNvGraphicFramePr>
-            <a:graphicFrameLocks noGrp="1"/>
-          </p:cNvGraphicFramePr>
-          <p:nvPr>
-            <p:ph idx="1"/>
-            <p:extLst>
-              <p:ext uri="{D42A27DB-BD31-4B8C-83A1-F6EECF244321}">
-                <p14:modId xmlns:p14="http://schemas.microsoft.com/office/powerpoint/2010/main" val="2741836396"/>
-              </p:ext>
-            </p:extLst>
-          </p:nvPr>
-        </p:nvGraphicFramePr>
-        <p:xfrm>
-          <a:off x="3292796" y="1719263"/>
-          <a:ext cx="2583807" cy="4622799"/>
-        </p:xfrm>
-        <a:graphic>
-          <a:graphicData uri="http://schemas.openxmlformats.org/drawingml/2006/table">
-            <a:tbl>
-              <a:tblPr>
-                <a:tableStyleId>{69C7853C-536D-4A76-A0AE-DD22124D55A5}</a:tableStyleId>
-              </a:tblPr>
-              <a:tblGrid>
-                <a:gridCol w="861269"/>
-                <a:gridCol w="865641"/>
-                <a:gridCol w="856897"/>
-              </a:tblGrid>
-              <a:tr h="545616">
-                <a:tc>
-                  <a:txBody>
-                    <a:bodyPr/>
-                    <a:lstStyle/>
-                    <a:p>
-                      <a:pPr algn="ctr" rtl="0" fontAlgn="ctr">
-                        <a:spcBef>
-                          <a:spcPts val="0"/>
-                        </a:spcBef>
-                        <a:spcAft>
-                          <a:spcPts val="600"/>
-                        </a:spcAft>
-                      </a:pPr>
-                      <a:r>
-                        <a:rPr lang="es-PE" sz="800" u="none" strike="noStrike" dirty="0">
-                          <a:effectLst/>
-                        </a:rPr>
-                        <a:t>Elemento de Configuración</a:t>
-                      </a:r>
-                      <a:endParaRPr lang="es-PE" sz="800" dirty="0">
-                        <a:effectLst/>
-                      </a:endParaRPr>
-                    </a:p>
-                  </a:txBody>
-                  <a:tcPr marL="34975" marR="34975" marT="20985" marB="20985" anchor="ctr"/>
-                </a:tc>
-                <a:tc>
-                  <a:txBody>
-                    <a:bodyPr/>
-                    <a:lstStyle/>
-                    <a:p>
-                      <a:pPr algn="ctr" rtl="0" fontAlgn="ctr">
-                        <a:spcBef>
-                          <a:spcPts val="0"/>
-                        </a:spcBef>
-                        <a:spcAft>
-                          <a:spcPts val="600"/>
-                        </a:spcAft>
-                      </a:pPr>
-                      <a:r>
-                        <a:rPr lang="es-PE" sz="800" u="none" strike="noStrike">
-                          <a:effectLst/>
-                        </a:rPr>
-                        <a:t>Descripción y Características</a:t>
-                      </a:r>
-                      <a:endParaRPr lang="es-PE" sz="800">
-                        <a:effectLst/>
-                      </a:endParaRPr>
-                    </a:p>
-                  </a:txBody>
-                  <a:tcPr marL="34975" marR="34975" marT="20985" marB="20985" anchor="ctr"/>
-                </a:tc>
-                <a:tc>
-                  <a:txBody>
-                    <a:bodyPr/>
-                    <a:lstStyle/>
-                    <a:p>
-                      <a:pPr algn="ctr" rtl="0" fontAlgn="ctr">
-                        <a:spcBef>
-                          <a:spcPts val="0"/>
-                        </a:spcBef>
-                        <a:spcAft>
-                          <a:spcPts val="600"/>
-                        </a:spcAft>
-                      </a:pPr>
-                      <a:r>
-                        <a:rPr lang="es-PE" sz="800" u="none" strike="noStrike">
-                          <a:effectLst/>
-                        </a:rPr>
-                        <a:t>Etapa en que se incorpora a la gestión de la configuración</a:t>
-                      </a:r>
-                      <a:endParaRPr lang="es-PE" sz="800">
-                        <a:effectLst/>
-                      </a:endParaRPr>
-                    </a:p>
-                  </a:txBody>
-                  <a:tcPr marL="34975" marR="34975" marT="20985" marB="20985" anchor="ctr"/>
-                </a:tc>
-              </a:tr>
-              <a:tr h="293793">
-                <a:tc>
-                  <a:txBody>
-                    <a:bodyPr/>
-                    <a:lstStyle/>
-                    <a:p>
-                      <a:pPr algn="ctr" rtl="0" fontAlgn="t">
-                        <a:spcBef>
-                          <a:spcPts val="0"/>
-                        </a:spcBef>
-                        <a:spcAft>
-                          <a:spcPts val="600"/>
-                        </a:spcAft>
-                      </a:pPr>
-                      <a:r>
-                        <a:rPr lang="es-PE" sz="800" u="none" strike="noStrike">
-                          <a:effectLst/>
-                        </a:rPr>
-                        <a:t>PETAPP_WBS_01</a:t>
-                      </a:r>
-                      <a:endParaRPr lang="es-PE" sz="800">
-                        <a:effectLst/>
-                      </a:endParaRPr>
-                    </a:p>
-                  </a:txBody>
-                  <a:tcPr marL="34975" marR="34975" marT="20985" marB="20985"/>
-                </a:tc>
-                <a:tc>
-                  <a:txBody>
-                    <a:bodyPr/>
-                    <a:lstStyle/>
-                    <a:p>
-                      <a:pPr algn="just" rtl="0" fontAlgn="t">
-                        <a:spcBef>
-                          <a:spcPts val="0"/>
-                        </a:spcBef>
-                        <a:spcAft>
-                          <a:spcPts val="600"/>
-                        </a:spcAft>
-                      </a:pPr>
-                      <a:r>
-                        <a:rPr lang="es-PE" sz="800" u="none" strike="noStrike">
-                          <a:effectLst/>
-                        </a:rPr>
-                        <a:t>Los WBS creados.</a:t>
-                      </a:r>
-                      <a:endParaRPr lang="es-PE" sz="800">
-                        <a:effectLst/>
-                      </a:endParaRPr>
-                    </a:p>
-                  </a:txBody>
-                  <a:tcPr marL="34975" marR="34975" marT="20985" marB="20985"/>
-                </a:tc>
-                <a:tc>
-                  <a:txBody>
-                    <a:bodyPr/>
-                    <a:lstStyle/>
-                    <a:p>
-                      <a:pPr rtl="0" fontAlgn="t">
-                        <a:spcBef>
-                          <a:spcPts val="0"/>
-                        </a:spcBef>
-                        <a:spcAft>
-                          <a:spcPts val="600"/>
-                        </a:spcAft>
-                      </a:pPr>
-                      <a:r>
-                        <a:rPr lang="es-PE" sz="800" u="none" strike="noStrike">
-                          <a:effectLst/>
-                        </a:rPr>
-                        <a:t>Etapa de Diseño.</a:t>
-                      </a:r>
-                      <a:endParaRPr lang="es-PE" sz="800">
-                        <a:effectLst/>
-                      </a:endParaRPr>
-                    </a:p>
-                  </a:txBody>
-                  <a:tcPr marL="34975" marR="34975" marT="20985" marB="20985"/>
-                </a:tc>
-              </a:tr>
-              <a:tr h="293793">
-                <a:tc>
-                  <a:txBody>
-                    <a:bodyPr/>
-                    <a:lstStyle/>
-                    <a:p>
-                      <a:pPr algn="ctr" rtl="0" fontAlgn="t">
-                        <a:spcBef>
-                          <a:spcPts val="0"/>
-                        </a:spcBef>
-                        <a:spcAft>
-                          <a:spcPts val="600"/>
-                        </a:spcAft>
-                      </a:pPr>
-                      <a:r>
-                        <a:rPr lang="es-PE" sz="800" u="none" strike="noStrike">
-                          <a:effectLst/>
-                        </a:rPr>
-                        <a:t>PETAPP_BLP_01</a:t>
-                      </a:r>
-                      <a:endParaRPr lang="es-PE" sz="800">
-                        <a:effectLst/>
-                      </a:endParaRPr>
-                    </a:p>
-                  </a:txBody>
-                  <a:tcPr marL="34975" marR="34975" marT="20985" marB="20985"/>
-                </a:tc>
-                <a:tc>
-                  <a:txBody>
-                    <a:bodyPr/>
-                    <a:lstStyle/>
-                    <a:p>
-                      <a:pPr algn="just" rtl="0" fontAlgn="t">
-                        <a:spcBef>
-                          <a:spcPts val="0"/>
-                        </a:spcBef>
-                        <a:spcAft>
-                          <a:spcPts val="600"/>
-                        </a:spcAft>
-                      </a:pPr>
-                      <a:r>
-                        <a:rPr lang="es-PE" sz="800" u="none" strike="noStrike">
-                          <a:effectLst/>
-                        </a:rPr>
-                        <a:t>Los Backlogs creados.</a:t>
-                      </a:r>
-                      <a:endParaRPr lang="es-PE" sz="800">
-                        <a:effectLst/>
-                      </a:endParaRPr>
-                    </a:p>
-                  </a:txBody>
-                  <a:tcPr marL="34975" marR="34975" marT="20985" marB="20985"/>
-                </a:tc>
-                <a:tc>
-                  <a:txBody>
-                    <a:bodyPr/>
-                    <a:lstStyle/>
-                    <a:p>
-                      <a:pPr rtl="0" fontAlgn="t">
-                        <a:spcBef>
-                          <a:spcPts val="0"/>
-                        </a:spcBef>
-                        <a:spcAft>
-                          <a:spcPts val="600"/>
-                        </a:spcAft>
-                      </a:pPr>
-                      <a:r>
-                        <a:rPr lang="es-PE" sz="800" u="none" strike="noStrike">
-                          <a:effectLst/>
-                        </a:rPr>
-                        <a:t>Etapa de Diseño.</a:t>
-                      </a:r>
-                      <a:endParaRPr lang="es-PE" sz="800">
-                        <a:effectLst/>
-                      </a:endParaRPr>
-                    </a:p>
-                  </a:txBody>
-                  <a:tcPr marL="34975" marR="34975" marT="20985" marB="20985"/>
-                </a:tc>
-              </a:tr>
-              <a:tr h="671528">
-                <a:tc>
-                  <a:txBody>
-                    <a:bodyPr/>
-                    <a:lstStyle/>
-                    <a:p>
-                      <a:pPr algn="ctr" rtl="0" fontAlgn="t">
-                        <a:spcBef>
-                          <a:spcPts val="0"/>
-                        </a:spcBef>
-                        <a:spcAft>
-                          <a:spcPts val="600"/>
-                        </a:spcAft>
-                      </a:pPr>
-                      <a:r>
-                        <a:rPr lang="es-PE" sz="800" u="none" strike="noStrike" dirty="0">
-                          <a:effectLst/>
-                        </a:rPr>
-                        <a:t>PETAPP_EXE_01</a:t>
-                      </a:r>
-                      <a:endParaRPr lang="es-PE" sz="800" dirty="0">
-                        <a:effectLst/>
-                      </a:endParaRPr>
-                    </a:p>
-                  </a:txBody>
-                  <a:tcPr marL="34975" marR="34975" marT="20985" marB="20985"/>
-                </a:tc>
-                <a:tc>
-                  <a:txBody>
-                    <a:bodyPr/>
-                    <a:lstStyle/>
-                    <a:p>
-                      <a:pPr algn="just" rtl="0" fontAlgn="t">
-                        <a:spcBef>
-                          <a:spcPts val="0"/>
-                        </a:spcBef>
-                        <a:spcAft>
-                          <a:spcPts val="600"/>
-                        </a:spcAft>
-                      </a:pPr>
-                      <a:r>
-                        <a:rPr lang="es-PE" sz="800" u="none" strike="noStrike">
-                          <a:effectLst/>
-                        </a:rPr>
-                        <a:t>Cada ejecutable creado luego de subir cambios al repositorio remoto.</a:t>
-                      </a:r>
-                      <a:endParaRPr lang="es-PE" sz="800">
-                        <a:effectLst/>
-                      </a:endParaRPr>
-                    </a:p>
-                  </a:txBody>
-                  <a:tcPr marL="34975" marR="34975" marT="20985" marB="20985"/>
-                </a:tc>
-                <a:tc>
-                  <a:txBody>
-                    <a:bodyPr/>
-                    <a:lstStyle/>
-                    <a:p>
-                      <a:pPr rtl="0" fontAlgn="t">
-                        <a:spcBef>
-                          <a:spcPts val="0"/>
-                        </a:spcBef>
-                        <a:spcAft>
-                          <a:spcPts val="600"/>
-                        </a:spcAft>
-                      </a:pPr>
-                      <a:r>
-                        <a:rPr lang="es-PE" sz="800" u="none" strike="noStrike">
-                          <a:effectLst/>
-                        </a:rPr>
-                        <a:t>Etapa de Desarrollo.</a:t>
-                      </a:r>
-                      <a:endParaRPr lang="es-PE" sz="800">
-                        <a:effectLst/>
-                      </a:endParaRPr>
-                    </a:p>
-                  </a:txBody>
-                  <a:tcPr marL="34975" marR="34975" marT="20985" marB="20985"/>
-                </a:tc>
-              </a:tr>
-              <a:tr h="671528">
-                <a:tc>
-                  <a:txBody>
-                    <a:bodyPr/>
-                    <a:lstStyle/>
-                    <a:p>
-                      <a:pPr algn="ctr" rtl="0" fontAlgn="t">
-                        <a:spcBef>
-                          <a:spcPts val="0"/>
-                        </a:spcBef>
-                        <a:spcAft>
-                          <a:spcPts val="600"/>
-                        </a:spcAft>
-                      </a:pPr>
-                      <a:r>
-                        <a:rPr lang="es-PE" sz="800" u="none" strike="noStrike">
-                          <a:effectLst/>
-                        </a:rPr>
-                        <a:t>PETAPP_UI_*</a:t>
-                      </a:r>
-                      <a:endParaRPr lang="es-PE" sz="800">
-                        <a:effectLst/>
-                      </a:endParaRPr>
-                    </a:p>
-                  </a:txBody>
-                  <a:tcPr marL="34975" marR="34975" marT="20985" marB="20985"/>
-                </a:tc>
-                <a:tc>
-                  <a:txBody>
-                    <a:bodyPr/>
-                    <a:lstStyle/>
-                    <a:p>
-                      <a:pPr algn="just" rtl="0" fontAlgn="t">
-                        <a:spcBef>
-                          <a:spcPts val="0"/>
-                        </a:spcBef>
-                        <a:spcAft>
-                          <a:spcPts val="600"/>
-                        </a:spcAft>
-                      </a:pPr>
-                      <a:r>
-                        <a:rPr lang="es-PE" sz="800" u="none" strike="noStrike">
-                          <a:effectLst/>
-                        </a:rPr>
-                        <a:t>Todos las interfaz de usuario correspondiente a este primer Backlop.</a:t>
-                      </a:r>
-                      <a:endParaRPr lang="es-PE" sz="800">
-                        <a:effectLst/>
-                      </a:endParaRPr>
-                    </a:p>
-                  </a:txBody>
-                  <a:tcPr marL="34975" marR="34975" marT="20985" marB="20985"/>
-                </a:tc>
-                <a:tc>
-                  <a:txBody>
-                    <a:bodyPr/>
-                    <a:lstStyle/>
-                    <a:p>
-                      <a:pPr rtl="0" fontAlgn="t">
-                        <a:spcBef>
-                          <a:spcPts val="0"/>
-                        </a:spcBef>
-                        <a:spcAft>
-                          <a:spcPts val="600"/>
-                        </a:spcAft>
-                      </a:pPr>
-                      <a:r>
-                        <a:rPr lang="es-PE" sz="800" u="none" strike="noStrike">
-                          <a:effectLst/>
-                        </a:rPr>
-                        <a:t>Etapa de Desarrollo.</a:t>
-                      </a:r>
-                      <a:endParaRPr lang="es-PE" sz="800">
-                        <a:effectLst/>
-                      </a:endParaRPr>
-                    </a:p>
-                  </a:txBody>
-                  <a:tcPr marL="34975" marR="34975" marT="20985" marB="20985"/>
-                </a:tc>
-              </a:tr>
-              <a:tr h="293793">
-                <a:tc>
-                  <a:txBody>
-                    <a:bodyPr/>
-                    <a:lstStyle/>
-                    <a:p>
-                      <a:pPr algn="ctr" rtl="0" fontAlgn="t">
-                        <a:spcBef>
-                          <a:spcPts val="0"/>
-                        </a:spcBef>
-                        <a:spcAft>
-                          <a:spcPts val="600"/>
-                        </a:spcAft>
-                      </a:pPr>
-                      <a:r>
-                        <a:rPr lang="es-PE" sz="800" u="none" strike="noStrike">
-                          <a:effectLst/>
-                        </a:rPr>
-                        <a:t>PETAPP_SC_01</a:t>
-                      </a:r>
-                      <a:endParaRPr lang="es-PE" sz="800">
-                        <a:effectLst/>
-                      </a:endParaRPr>
-                    </a:p>
-                  </a:txBody>
-                  <a:tcPr marL="34975" marR="34975" marT="20985" marB="20985"/>
-                </a:tc>
-                <a:tc>
-                  <a:txBody>
-                    <a:bodyPr/>
-                    <a:lstStyle/>
-                    <a:p>
-                      <a:pPr algn="just" rtl="0" fontAlgn="t">
-                        <a:spcBef>
-                          <a:spcPts val="0"/>
-                        </a:spcBef>
-                        <a:spcAft>
-                          <a:spcPts val="600"/>
-                        </a:spcAft>
-                      </a:pPr>
-                      <a:r>
-                        <a:rPr lang="es-PE" sz="800" u="none" strike="noStrike">
-                          <a:effectLst/>
-                        </a:rPr>
-                        <a:t>El código fuente del proyecto. </a:t>
-                      </a:r>
-                      <a:endParaRPr lang="es-PE" sz="800">
-                        <a:effectLst/>
-                      </a:endParaRPr>
-                    </a:p>
-                  </a:txBody>
-                  <a:tcPr marL="34975" marR="34975" marT="20985" marB="20985"/>
-                </a:tc>
-                <a:tc>
-                  <a:txBody>
-                    <a:bodyPr/>
-                    <a:lstStyle/>
-                    <a:p>
-                      <a:pPr rtl="0" fontAlgn="t">
-                        <a:spcBef>
-                          <a:spcPts val="0"/>
-                        </a:spcBef>
-                        <a:spcAft>
-                          <a:spcPts val="600"/>
-                        </a:spcAft>
-                      </a:pPr>
-                      <a:r>
-                        <a:rPr lang="es-PE" sz="800" u="none" strike="noStrike">
-                          <a:effectLst/>
-                        </a:rPr>
-                        <a:t>Etapa de Desarrollo.</a:t>
-                      </a:r>
-                      <a:endParaRPr lang="es-PE" sz="800">
-                        <a:effectLst/>
-                      </a:endParaRPr>
-                    </a:p>
-                  </a:txBody>
-                  <a:tcPr marL="34975" marR="34975" marT="20985" marB="20985"/>
-                </a:tc>
-              </a:tr>
-              <a:tr h="293793">
-                <a:tc>
-                  <a:txBody>
-                    <a:bodyPr/>
-                    <a:lstStyle/>
-                    <a:p>
-                      <a:pPr algn="ctr" rtl="0" fontAlgn="t">
-                        <a:spcBef>
-                          <a:spcPts val="0"/>
-                        </a:spcBef>
-                        <a:spcAft>
-                          <a:spcPts val="600"/>
-                        </a:spcAft>
-                      </a:pPr>
-                      <a:r>
-                        <a:rPr lang="es-PE" sz="800" u="none" strike="noStrike">
-                          <a:effectLst/>
-                        </a:rPr>
-                        <a:t>PETAPP_PGC_01</a:t>
-                      </a:r>
-                      <a:endParaRPr lang="es-PE" sz="800">
-                        <a:effectLst/>
-                      </a:endParaRPr>
-                    </a:p>
-                  </a:txBody>
-                  <a:tcPr marL="34975" marR="34975" marT="20985" marB="20985"/>
-                </a:tc>
-                <a:tc>
-                  <a:txBody>
-                    <a:bodyPr/>
-                    <a:lstStyle/>
-                    <a:p>
-                      <a:pPr algn="just" rtl="0" fontAlgn="t">
-                        <a:spcBef>
-                          <a:spcPts val="0"/>
-                        </a:spcBef>
-                        <a:spcAft>
-                          <a:spcPts val="600"/>
-                        </a:spcAft>
-                      </a:pPr>
-                      <a:r>
-                        <a:rPr lang="es-PE" sz="800" u="none" strike="noStrike">
-                          <a:effectLst/>
-                        </a:rPr>
-                        <a:t>Plan de gestión de la configuración.</a:t>
-                      </a:r>
-                      <a:endParaRPr lang="es-PE" sz="800">
-                        <a:effectLst/>
-                      </a:endParaRPr>
-                    </a:p>
-                  </a:txBody>
-                  <a:tcPr marL="34975" marR="34975" marT="20985" marB="20985"/>
-                </a:tc>
-                <a:tc>
-                  <a:txBody>
-                    <a:bodyPr/>
-                    <a:lstStyle/>
-                    <a:p>
-                      <a:pPr rtl="0" fontAlgn="t">
-                        <a:spcBef>
-                          <a:spcPts val="0"/>
-                        </a:spcBef>
-                        <a:spcAft>
-                          <a:spcPts val="600"/>
-                        </a:spcAft>
-                      </a:pPr>
-                      <a:r>
-                        <a:rPr lang="es-PE" sz="800" u="none" strike="noStrike">
-                          <a:effectLst/>
-                        </a:rPr>
-                        <a:t>Etapa de Inicio.</a:t>
-                      </a:r>
-                      <a:endParaRPr lang="es-PE" sz="800">
-                        <a:effectLst/>
-                      </a:endParaRPr>
-                    </a:p>
-                  </a:txBody>
-                  <a:tcPr marL="34975" marR="34975" marT="20985" marB="20985"/>
-                </a:tc>
-              </a:tr>
-              <a:tr h="671528">
-                <a:tc>
-                  <a:txBody>
-                    <a:bodyPr/>
-                    <a:lstStyle/>
-                    <a:p>
-                      <a:pPr algn="ctr" rtl="0" fontAlgn="t">
-                        <a:spcBef>
-                          <a:spcPts val="0"/>
-                        </a:spcBef>
-                        <a:spcAft>
-                          <a:spcPts val="600"/>
-                        </a:spcAft>
-                      </a:pPr>
-                      <a:r>
-                        <a:rPr lang="es-PE" sz="800" u="none" strike="noStrike">
-                          <a:effectLst/>
-                        </a:rPr>
-                        <a:t>PETAPP_DB_01</a:t>
-                      </a:r>
-                      <a:endParaRPr lang="es-PE" sz="800">
-                        <a:effectLst/>
-                      </a:endParaRPr>
-                    </a:p>
-                  </a:txBody>
-                  <a:tcPr marL="34975" marR="34975" marT="20985" marB="20985"/>
-                </a:tc>
-                <a:tc>
-                  <a:txBody>
-                    <a:bodyPr/>
-                    <a:lstStyle/>
-                    <a:p>
-                      <a:pPr algn="just" rtl="0" fontAlgn="t">
-                        <a:spcBef>
-                          <a:spcPts val="0"/>
-                        </a:spcBef>
-                        <a:spcAft>
-                          <a:spcPts val="600"/>
-                        </a:spcAft>
-                      </a:pPr>
-                      <a:r>
-                        <a:rPr lang="es-PE" sz="800" u="none" strike="noStrike">
-                          <a:effectLst/>
-                        </a:rPr>
-                        <a:t>Base de datos que contiene la información que se ingrese en el sistema.</a:t>
-                      </a:r>
-                      <a:endParaRPr lang="es-PE" sz="800">
-                        <a:effectLst/>
-                      </a:endParaRPr>
-                    </a:p>
-                  </a:txBody>
-                  <a:tcPr marL="34975" marR="34975" marT="20985" marB="20985"/>
-                </a:tc>
-                <a:tc>
-                  <a:txBody>
-                    <a:bodyPr/>
-                    <a:lstStyle/>
-                    <a:p>
-                      <a:pPr rtl="0" fontAlgn="t">
-                        <a:spcBef>
-                          <a:spcPts val="0"/>
-                        </a:spcBef>
-                        <a:spcAft>
-                          <a:spcPts val="600"/>
-                        </a:spcAft>
-                      </a:pPr>
-                      <a:r>
-                        <a:rPr lang="es-PE" sz="800" u="none" strike="noStrike">
-                          <a:effectLst/>
-                        </a:rPr>
-                        <a:t>Etapa de Desarrollo.</a:t>
-                      </a:r>
-                      <a:endParaRPr lang="es-PE" sz="800">
-                        <a:effectLst/>
-                      </a:endParaRPr>
-                    </a:p>
-                  </a:txBody>
-                  <a:tcPr marL="34975" marR="34975" marT="20985" marB="20985"/>
-                </a:tc>
-              </a:tr>
-              <a:tr h="671528">
-                <a:tc>
-                  <a:txBody>
-                    <a:bodyPr/>
-                    <a:lstStyle/>
-                    <a:p>
-                      <a:pPr algn="ctr" rtl="0" fontAlgn="t">
-                        <a:spcBef>
-                          <a:spcPts val="0"/>
-                        </a:spcBef>
-                        <a:spcAft>
-                          <a:spcPts val="600"/>
-                        </a:spcAft>
-                      </a:pPr>
-                      <a:r>
-                        <a:rPr lang="es-PE" sz="800" u="none" strike="noStrike">
-                          <a:effectLst/>
-                        </a:rPr>
-                        <a:t>PETAPP_HU_01</a:t>
-                      </a:r>
-                      <a:endParaRPr lang="es-PE" sz="800">
-                        <a:effectLst/>
-                      </a:endParaRPr>
-                    </a:p>
-                  </a:txBody>
-                  <a:tcPr marL="34975" marR="34975" marT="20985" marB="20985"/>
-                </a:tc>
-                <a:tc>
-                  <a:txBody>
-                    <a:bodyPr/>
-                    <a:lstStyle/>
-                    <a:p>
-                      <a:pPr algn="just" rtl="0" fontAlgn="t">
-                        <a:spcBef>
-                          <a:spcPts val="0"/>
-                        </a:spcBef>
-                        <a:spcAft>
-                          <a:spcPts val="600"/>
-                        </a:spcAft>
-                      </a:pPr>
-                      <a:r>
-                        <a:rPr lang="es-PE" sz="800" u="none" strike="noStrike">
-                          <a:effectLst/>
-                        </a:rPr>
-                        <a:t>Interfaz de usuario a través del cual el usuario interactuara con el sistema</a:t>
-                      </a:r>
-                      <a:endParaRPr lang="es-PE" sz="800">
-                        <a:effectLst/>
-                      </a:endParaRPr>
-                    </a:p>
-                  </a:txBody>
-                  <a:tcPr marL="34975" marR="34975" marT="20985" marB="20985"/>
-                </a:tc>
-                <a:tc>
-                  <a:txBody>
-                    <a:bodyPr/>
-                    <a:lstStyle/>
-                    <a:p>
-                      <a:pPr rtl="0" fontAlgn="t">
-                        <a:spcBef>
-                          <a:spcPts val="0"/>
-                        </a:spcBef>
-                        <a:spcAft>
-                          <a:spcPts val="600"/>
-                        </a:spcAft>
-                      </a:pPr>
-                      <a:r>
-                        <a:rPr lang="es-PE" sz="800" u="none" strike="noStrike" dirty="0">
-                          <a:effectLst/>
-                        </a:rPr>
-                        <a:t>Etapa de Desarrollo.</a:t>
-                      </a:r>
-                      <a:endParaRPr lang="es-PE" sz="800" dirty="0">
-                        <a:effectLst/>
-                      </a:endParaRPr>
-                    </a:p>
-                  </a:txBody>
-                  <a:tcPr marL="34975" marR="34975" marT="20985" marB="20985"/>
-                </a:tc>
-              </a:tr>
-            </a:tbl>
-          </a:graphicData>
-        </a:graphic>
-      </p:graphicFrame>
-      <p:sp>
-        <p:nvSpPr>
-          <p:cNvPr id="3" name="2 Título"/>
-          <p:cNvSpPr>
-            <a:spLocks noGrp="1"/>
-          </p:cNvSpPr>
-          <p:nvPr>
-            <p:ph type="title"/>
-          </p:nvPr>
-        </p:nvSpPr>
-        <p:spPr/>
-        <p:txBody>
-          <a:bodyPr/>
-          <a:lstStyle/>
-          <a:p>
-            <a:r>
-              <a:rPr lang="es-PE" dirty="0" smtClean="0"/>
-              <a:t>Elementos de gestión de la configuración</a:t>
-            </a:r>
-            <a:endParaRPr lang="es-PE" dirty="0"/>
-          </a:p>
-        </p:txBody>
-      </p:sp>
-      <p:sp>
-        <p:nvSpPr>
-          <p:cNvPr id="5" name="Rectangle 1"/>
-          <p:cNvSpPr>
-            <a:spLocks noChangeArrowheads="1"/>
-          </p:cNvSpPr>
-          <p:nvPr/>
-        </p:nvSpPr>
-        <p:spPr bwMode="auto">
-          <a:xfrm>
-            <a:off x="3292475" y="1719263"/>
-            <a:ext cx="9144000" cy="457200"/>
-          </a:xfrm>
-          <a:prstGeom prst="rect">
-            <a:avLst/>
-          </a:prstGeom>
-          <a:noFill/>
-          <a:ln>
-            <a:noFill/>
-          </a:ln>
-          <a:effectLst/>
-          <a:extLst>
-            <a:ext uri="{909E8E84-426E-40DD-AFC4-6F175D3DCCD1}">
-              <a14:hiddenFill xmlns:a14="http://schemas.microsoft.com/office/drawing/2010/main">
-                <a:solidFill>
-                  <a:schemeClr val="accent1"/>
-                </a:solidFill>
-              </a14:hiddenFill>
-            </a:ext>
-            <a:ext uri="{91240B29-F687-4F45-9708-019B960494DF}">
-              <a14:hiddenLine xmlns:a14="http://schemas.microsoft.com/office/drawing/2010/main" w="9525">
-                <a:solidFill>
-                  <a:schemeClr val="tx1"/>
-                </a:solidFill>
-                <a:miter lim="800000"/>
-                <a:headEnd/>
-                <a:tailEnd/>
-              </a14:hiddenLine>
-            </a:ext>
-            <a:ext uri="{AF507438-7753-43E0-B8FC-AC1667EBCBE1}">
-              <a14:hiddenEffects xmlns:a14="http://schemas.microsoft.com/office/drawing/2010/main">
-                <a:effectLst>
-                  <a:outerShdw dist="35921" dir="2700000" algn="ctr" rotWithShape="0">
-                    <a:schemeClr val="bg2"/>
-                  </a:outerShdw>
-                </a:effectLst>
-              </a14:hiddenEffects>
-            </a:ext>
-          </a:extLst>
-        </p:spPr>
-        <p:txBody>
-          <a:bodyPr vert="horz" wrap="none" lIns="91440" tIns="45720" rIns="91440" bIns="45720" numCol="1" anchor="ctr" anchorCtr="0" compatLnSpc="1">
-            <a:prstTxWarp prst="textNoShape">
-              <a:avLst/>
-            </a:prstTxWarp>
-            <a:spAutoFit/>
-          </a:bodyPr>
-          <a:lstStyle/>
-          <a:p>
-            <a:pPr marL="0" marR="0" lvl="0" indent="0" algn="l" defTabSz="914400" rtl="0" eaLnBrk="1" fontAlgn="base" latinLnBrk="0" hangingPunct="1">
-              <a:lnSpc>
-                <a:spcPct val="100000"/>
-              </a:lnSpc>
-              <a:spcBef>
-                <a:spcPct val="0"/>
-              </a:spcBef>
-              <a:spcAft>
-                <a:spcPct val="0"/>
-              </a:spcAft>
-              <a:buClrTx/>
-              <a:buSzTx/>
-              <a:buFontTx/>
-              <a:buNone/>
-              <a:tabLst/>
-            </a:pPr>
-            <a:r>
-              <a:rPr kumimoji="0" lang="es-PE" altLang="es-PE" sz="1800" b="0" i="0" u="none" strike="noStrike" cap="none" normalizeH="0" baseline="0" smtClean="0">
-                <a:ln>
-                  <a:noFill/>
-                </a:ln>
-                <a:solidFill>
-                  <a:schemeClr val="tx1"/>
-                </a:solidFill>
-                <a:effectLst/>
-                <a:latin typeface="Arial" pitchFamily="34" charset="0"/>
-                <a:cs typeface="Arial" pitchFamily="34" charset="0"/>
-              </a:rPr>
-              <a:t/>
-            </a:r>
-            <a:br>
-              <a:rPr kumimoji="0" lang="es-PE" altLang="es-PE" sz="1800" b="0" i="0" u="none" strike="noStrike" cap="none" normalizeH="0" baseline="0" smtClean="0">
-                <a:ln>
-                  <a:noFill/>
-                </a:ln>
-                <a:solidFill>
-                  <a:schemeClr val="tx1"/>
-                </a:solidFill>
-                <a:effectLst/>
-                <a:latin typeface="Arial" pitchFamily="34" charset="0"/>
-                <a:cs typeface="Arial" pitchFamily="34" charset="0"/>
-              </a:rPr>
-            </a:br>
-            <a:endParaRPr kumimoji="0" lang="es-PE" altLang="es-PE" sz="1800" b="0" i="0" u="none" strike="noStrike" cap="none" normalizeH="0" baseline="0" smtClean="0">
-              <a:ln>
-                <a:noFill/>
-              </a:ln>
-              <a:solidFill>
-                <a:schemeClr val="tx1"/>
-              </a:solidFill>
-              <a:effectLst/>
-              <a:latin typeface="Arial" pitchFamily="34" charset="0"/>
-              <a:cs typeface="Arial" pitchFamily="34" charset="0"/>
-            </a:endParaRPr>
-          </a:p>
-          <a:p>
-            <a:pPr marL="0" marR="0" lvl="0" indent="0" algn="l" defTabSz="914400" rtl="0" eaLnBrk="0" fontAlgn="base" latinLnBrk="0" hangingPunct="0">
-              <a:lnSpc>
-                <a:spcPct val="100000"/>
-              </a:lnSpc>
-              <a:spcBef>
-                <a:spcPct val="0"/>
-              </a:spcBef>
-              <a:spcAft>
-                <a:spcPct val="0"/>
-              </a:spcAft>
-              <a:buClrTx/>
-              <a:buSzTx/>
-              <a:buFontTx/>
-              <a:buNone/>
-              <a:tabLst/>
-            </a:pPr>
-            <a:endParaRPr kumimoji="0" lang="es-PE" altLang="es-PE" sz="1800" b="0" i="0" u="none" strike="noStrike" cap="none" normalizeH="0" baseline="0" smtClean="0">
-              <a:ln>
-                <a:noFill/>
-              </a:ln>
-              <a:solidFill>
-                <a:schemeClr val="tx1"/>
-              </a:solidFill>
-              <a:effectLst/>
-              <a:latin typeface="Arial" pitchFamily="34" charset="0"/>
-              <a:cs typeface="Arial" pitchFamily="34" charset="0"/>
-            </a:endParaRPr>
-          </a:p>
-        </p:txBody>
-      </p:sp>
-    </p:spTree>
-    <p:extLst>
-      <p:ext uri="{BB962C8B-B14F-4D97-AF65-F5344CB8AC3E}">
-        <p14:creationId xmlns:p14="http://schemas.microsoft.com/office/powerpoint/2010/main" val="588837091"/>
       </p:ext>
     </p:extLst>
   </p:cSld>
